--- a/Openshift  Presentation.pptx
+++ b/Openshift  Presentation.pptx
@@ -7599,7 +7599,7 @@
         </p:spPr>
         <p:txBody>
           <a:bodyPr>
-            <a:normAutofit fontScale="92500" lnSpcReduction="20000"/>
+            <a:normAutofit fontScale="85000" lnSpcReduction="20000"/>
           </a:bodyPr>
           <a:lstStyle/>
           <a:p>
@@ -8005,13 +8005,98 @@
               <a:t> start </a:t>
             </a:r>
             <a:r>
+              <a:rPr lang="en-US" sz="1100" dirty="0" err="1" smtClean="0">
+                <a:solidFill>
+                  <a:srgbClr val="00B0F0"/>
+                </a:solidFill>
+                <a:sym typeface="Wingdings" panose="05000000000000000000" pitchFamily="2" charset="2"/>
+              </a:rPr>
+              <a:t>mysqld</a:t>
+            </a:r>
+            <a:endParaRPr lang="en-US" sz="1100" dirty="0" smtClean="0">
+              <a:solidFill>
+                <a:srgbClr val="00B0F0"/>
+              </a:solidFill>
+              <a:sym typeface="Wingdings" panose="05000000000000000000" pitchFamily="2" charset="2"/>
+            </a:endParaRPr>
+          </a:p>
+          <a:p>
+            <a:pPr marL="0" indent="0">
+              <a:buNone/>
+            </a:pPr>
+            <a:r>
               <a:rPr lang="en-US" sz="1100" dirty="0" err="1">
                 <a:solidFill>
                   <a:srgbClr val="00B0F0"/>
                 </a:solidFill>
                 <a:sym typeface="Wingdings" panose="05000000000000000000" pitchFamily="2" charset="2"/>
               </a:rPr>
-              <a:t>mysqld</a:t>
+              <a:t>s</a:t>
+            </a:r>
+            <a:r>
+              <a:rPr lang="en-US" sz="1100" dirty="0" err="1" smtClean="0">
+                <a:solidFill>
+                  <a:srgbClr val="00B0F0"/>
+                </a:solidFill>
+                <a:sym typeface="Wingdings" panose="05000000000000000000" pitchFamily="2" charset="2"/>
+              </a:rPr>
+              <a:t>ystemctl</a:t>
+            </a:r>
+            <a:r>
+              <a:rPr lang="en-US" sz="1100" dirty="0" smtClean="0">
+                <a:solidFill>
+                  <a:srgbClr val="00B0F0"/>
+                </a:solidFill>
+                <a:sym typeface="Wingdings" panose="05000000000000000000" pitchFamily="2" charset="2"/>
+              </a:rPr>
+              <a:t> disable </a:t>
+            </a:r>
+            <a:r>
+              <a:rPr lang="en-US" sz="1100" dirty="0" err="1" smtClean="0">
+                <a:solidFill>
+                  <a:srgbClr val="00B0F0"/>
+                </a:solidFill>
+                <a:sym typeface="Wingdings" panose="05000000000000000000" pitchFamily="2" charset="2"/>
+              </a:rPr>
+              <a:t>firewalld</a:t>
+            </a:r>
+            <a:endParaRPr lang="en-US" sz="1100" dirty="0" smtClean="0">
+              <a:solidFill>
+                <a:srgbClr val="00B0F0"/>
+              </a:solidFill>
+              <a:sym typeface="Wingdings" panose="05000000000000000000" pitchFamily="2" charset="2"/>
+            </a:endParaRPr>
+          </a:p>
+          <a:p>
+            <a:pPr marL="0" indent="0">
+              <a:buNone/>
+            </a:pPr>
+            <a:r>
+              <a:rPr lang="en-US" sz="1100" dirty="0" err="1" smtClean="0">
+                <a:solidFill>
+                  <a:srgbClr val="00B0F0"/>
+                </a:solidFill>
+                <a:sym typeface="Wingdings" panose="05000000000000000000" pitchFamily="2" charset="2"/>
+              </a:rPr>
+              <a:t>systemctl</a:t>
+            </a:r>
+            <a:r>
+              <a:rPr lang="en-US" sz="1100" dirty="0" smtClean="0">
+                <a:solidFill>
+                  <a:srgbClr val="00B0F0"/>
+                </a:solidFill>
+                <a:sym typeface="Wingdings" panose="05000000000000000000" pitchFamily="2" charset="2"/>
+              </a:rPr>
+              <a:t> stop </a:t>
+            </a:r>
+            <a:r>
+              <a:rPr lang="en-US" sz="1100" dirty="0" err="1" smtClean="0">
+                <a:solidFill>
+                  <a:srgbClr val="00B0F0"/>
+                </a:solidFill>
+                <a:sym typeface="Wingdings" panose="05000000000000000000" pitchFamily="2" charset="2"/>
+              </a:rPr>
+              <a:t>firewalld</a:t>
             </a:r>
             <a:endParaRPr lang="en-US" sz="1100" dirty="0">
               <a:solidFill>

--- a/Openshift  Presentation.pptx
+++ b/Openshift  Presentation.pptx
@@ -5,7 +5,7 @@
     <p:sldMasterId id="2147483648" r:id="rId1"/>
   </p:sldMasterIdLst>
   <p:notesMasterIdLst>
-    <p:notesMasterId r:id="rId33"/>
+    <p:notesMasterId r:id="rId34"/>
   </p:notesMasterIdLst>
   <p:sldIdLst>
     <p:sldId id="294" r:id="rId2"/>
@@ -18,27 +18,28 @@
     <p:sldId id="299" r:id="rId9"/>
     <p:sldId id="300" r:id="rId10"/>
     <p:sldId id="290" r:id="rId11"/>
-    <p:sldId id="301" r:id="rId12"/>
-    <p:sldId id="295" r:id="rId13"/>
-    <p:sldId id="269" r:id="rId14"/>
-    <p:sldId id="270" r:id="rId15"/>
-    <p:sldId id="303" r:id="rId16"/>
-    <p:sldId id="271" r:id="rId17"/>
-    <p:sldId id="272" r:id="rId18"/>
-    <p:sldId id="273" r:id="rId19"/>
-    <p:sldId id="304" r:id="rId20"/>
-    <p:sldId id="302" r:id="rId21"/>
-    <p:sldId id="274" r:id="rId22"/>
-    <p:sldId id="275" r:id="rId23"/>
-    <p:sldId id="276" r:id="rId24"/>
-    <p:sldId id="277" r:id="rId25"/>
-    <p:sldId id="278" r:id="rId26"/>
-    <p:sldId id="279" r:id="rId27"/>
-    <p:sldId id="280" r:id="rId28"/>
-    <p:sldId id="281" r:id="rId29"/>
-    <p:sldId id="282" r:id="rId30"/>
-    <p:sldId id="284" r:id="rId31"/>
-    <p:sldId id="285" r:id="rId32"/>
+    <p:sldId id="305" r:id="rId12"/>
+    <p:sldId id="301" r:id="rId13"/>
+    <p:sldId id="295" r:id="rId14"/>
+    <p:sldId id="269" r:id="rId15"/>
+    <p:sldId id="270" r:id="rId16"/>
+    <p:sldId id="303" r:id="rId17"/>
+    <p:sldId id="271" r:id="rId18"/>
+    <p:sldId id="272" r:id="rId19"/>
+    <p:sldId id="273" r:id="rId20"/>
+    <p:sldId id="304" r:id="rId21"/>
+    <p:sldId id="302" r:id="rId22"/>
+    <p:sldId id="274" r:id="rId23"/>
+    <p:sldId id="275" r:id="rId24"/>
+    <p:sldId id="276" r:id="rId25"/>
+    <p:sldId id="277" r:id="rId26"/>
+    <p:sldId id="278" r:id="rId27"/>
+    <p:sldId id="279" r:id="rId28"/>
+    <p:sldId id="280" r:id="rId29"/>
+    <p:sldId id="281" r:id="rId30"/>
+    <p:sldId id="282" r:id="rId31"/>
+    <p:sldId id="284" r:id="rId32"/>
+    <p:sldId id="285" r:id="rId33"/>
   </p:sldIdLst>
   <p:sldSz cx="12192000" cy="6858000"/>
   <p:notesSz cx="6858000" cy="9144000"/>
@@ -227,7 +228,7 @@
           <a:p>
             <a:fld id="{ECCE567E-0FD9-4EF4-8C2D-AEF3DC29C3BF}" type="datetimeFigureOut">
               <a:rPr lang="en-US" smtClean="0"/>
-              <a:t>7/15/2017</a:t>
+              <a:t>7/16/2017</a:t>
             </a:fld>
             <a:endParaRPr lang="en-US"/>
           </a:p>
@@ -560,7 +561,7 @@
           <a:p>
             <a:fld id="{9398E6B7-E5AA-42FA-AE6B-C43E65463393}" type="slidenum">
               <a:rPr lang="en-US" smtClean="0"/>
-              <a:t>25</a:t>
+              <a:t>26</a:t>
             </a:fld>
             <a:endParaRPr lang="en-US"/>
           </a:p>
@@ -710,7 +711,7 @@
           <a:p>
             <a:fld id="{9BF664A0-37B2-4341-8CE8-EAC9C61D34EA}" type="datetimeFigureOut">
               <a:rPr lang="en-US" smtClean="0"/>
-              <a:t>7/15/2017</a:t>
+              <a:t>7/16/2017</a:t>
             </a:fld>
             <a:endParaRPr lang="en-US"/>
           </a:p>
@@ -880,7 +881,7 @@
           <a:p>
             <a:fld id="{9BF664A0-37B2-4341-8CE8-EAC9C61D34EA}" type="datetimeFigureOut">
               <a:rPr lang="en-US" smtClean="0"/>
-              <a:t>7/15/2017</a:t>
+              <a:t>7/16/2017</a:t>
             </a:fld>
             <a:endParaRPr lang="en-US"/>
           </a:p>
@@ -1060,7 +1061,7 @@
           <a:p>
             <a:fld id="{9BF664A0-37B2-4341-8CE8-EAC9C61D34EA}" type="datetimeFigureOut">
               <a:rPr lang="en-US" smtClean="0"/>
-              <a:t>7/15/2017</a:t>
+              <a:t>7/16/2017</a:t>
             </a:fld>
             <a:endParaRPr lang="en-US"/>
           </a:p>
@@ -1230,7 +1231,7 @@
           <a:p>
             <a:fld id="{9BF664A0-37B2-4341-8CE8-EAC9C61D34EA}" type="datetimeFigureOut">
               <a:rPr lang="en-US" smtClean="0"/>
-              <a:t>7/15/2017</a:t>
+              <a:t>7/16/2017</a:t>
             </a:fld>
             <a:endParaRPr lang="en-US"/>
           </a:p>
@@ -1476,7 +1477,7 @@
           <a:p>
             <a:fld id="{9BF664A0-37B2-4341-8CE8-EAC9C61D34EA}" type="datetimeFigureOut">
               <a:rPr lang="en-US" smtClean="0"/>
-              <a:t>7/15/2017</a:t>
+              <a:t>7/16/2017</a:t>
             </a:fld>
             <a:endParaRPr lang="en-US"/>
           </a:p>
@@ -1708,7 +1709,7 @@
           <a:p>
             <a:fld id="{9BF664A0-37B2-4341-8CE8-EAC9C61D34EA}" type="datetimeFigureOut">
               <a:rPr lang="en-US" smtClean="0"/>
-              <a:t>7/15/2017</a:t>
+              <a:t>7/16/2017</a:t>
             </a:fld>
             <a:endParaRPr lang="en-US"/>
           </a:p>
@@ -2075,7 +2076,7 @@
           <a:p>
             <a:fld id="{9BF664A0-37B2-4341-8CE8-EAC9C61D34EA}" type="datetimeFigureOut">
               <a:rPr lang="en-US" smtClean="0"/>
-              <a:t>7/15/2017</a:t>
+              <a:t>7/16/2017</a:t>
             </a:fld>
             <a:endParaRPr lang="en-US"/>
           </a:p>
@@ -2193,7 +2194,7 @@
           <a:p>
             <a:fld id="{9BF664A0-37B2-4341-8CE8-EAC9C61D34EA}" type="datetimeFigureOut">
               <a:rPr lang="en-US" smtClean="0"/>
-              <a:t>7/15/2017</a:t>
+              <a:t>7/16/2017</a:t>
             </a:fld>
             <a:endParaRPr lang="en-US"/>
           </a:p>
@@ -2288,7 +2289,7 @@
           <a:p>
             <a:fld id="{9BF664A0-37B2-4341-8CE8-EAC9C61D34EA}" type="datetimeFigureOut">
               <a:rPr lang="en-US" smtClean="0"/>
-              <a:t>7/15/2017</a:t>
+              <a:t>7/16/2017</a:t>
             </a:fld>
             <a:endParaRPr lang="en-US"/>
           </a:p>
@@ -2565,7 +2566,7 @@
           <a:p>
             <a:fld id="{9BF664A0-37B2-4341-8CE8-EAC9C61D34EA}" type="datetimeFigureOut">
               <a:rPr lang="en-US" smtClean="0"/>
-              <a:t>7/15/2017</a:t>
+              <a:t>7/16/2017</a:t>
             </a:fld>
             <a:endParaRPr lang="en-US"/>
           </a:p>
@@ -2818,7 +2819,7 @@
           <a:p>
             <a:fld id="{9BF664A0-37B2-4341-8CE8-EAC9C61D34EA}" type="datetimeFigureOut">
               <a:rPr lang="en-US" smtClean="0"/>
-              <a:t>7/15/2017</a:t>
+              <a:t>7/16/2017</a:t>
             </a:fld>
             <a:endParaRPr lang="en-US"/>
           </a:p>
@@ -3031,7 +3032,7 @@
           <a:p>
             <a:fld id="{9BF664A0-37B2-4341-8CE8-EAC9C61D34EA}" type="datetimeFigureOut">
               <a:rPr lang="en-US" smtClean="0"/>
-              <a:t>7/15/2017</a:t>
+              <a:t>7/16/2017</a:t>
             </a:fld>
             <a:endParaRPr lang="en-US"/>
           </a:p>
@@ -5923,6 +5924,843 @@
           <a:chExt cx="0" cy="0"/>
         </a:xfrm>
       </p:grpSpPr>
+      <p:graphicFrame>
+        <p:nvGraphicFramePr>
+          <p:cNvPr id="2" name="Table 1"/>
+          <p:cNvGraphicFramePr>
+            <a:graphicFrameLocks noGrp="1"/>
+          </p:cNvGraphicFramePr>
+          <p:nvPr>
+            <p:extLst>
+              <p:ext uri="{D42A27DB-BD31-4B8C-83A1-F6EECF244321}">
+                <p14:modId xmlns:p14="http://schemas.microsoft.com/office/powerpoint/2010/main" val="727896214"/>
+              </p:ext>
+            </p:extLst>
+          </p:nvPr>
+        </p:nvGraphicFramePr>
+        <p:xfrm>
+          <a:off x="1872343" y="1262743"/>
+          <a:ext cx="8473440" cy="3785504"/>
+        </p:xfrm>
+        <a:graphic>
+          <a:graphicData uri="http://schemas.openxmlformats.org/drawingml/2006/table">
+            <a:tbl>
+              <a:tblPr/>
+              <a:tblGrid>
+                <a:gridCol w="4186759"/>
+                <a:gridCol w="4286681"/>
+              </a:tblGrid>
+              <a:tr h="686237">
+                <a:tc>
+                  <a:txBody>
+                    <a:bodyPr/>
+                    <a:lstStyle/>
+                    <a:p>
+                      <a:pPr marL="0" marR="0" fontAlgn="t">
+                        <a:spcBef>
+                          <a:spcPts val="0"/>
+                        </a:spcBef>
+                        <a:spcAft>
+                          <a:spcPts val="0"/>
+                        </a:spcAft>
+                      </a:pPr>
+                      <a:r>
+                        <a:rPr lang="en-US" sz="3600" dirty="0" smtClean="0">
+                          <a:effectLst/>
+                          <a:latin typeface="Calibri" panose="020F0502020204030204" pitchFamily="34" charset="0"/>
+                        </a:rPr>
+                        <a:t>Containerization</a:t>
+                      </a:r>
+                      <a:endParaRPr lang="en-US" sz="3600" dirty="0">
+                        <a:effectLst/>
+                        <a:latin typeface="Calibri" panose="020F0502020204030204" pitchFamily="34" charset="0"/>
+                      </a:endParaRPr>
+                    </a:p>
+                  </a:txBody>
+                  <a:tcPr marL="50800" marR="50800" marT="50800" marB="50800">
+                    <a:lnL w="12700" cap="flat" cmpd="sng" algn="ctr">
+                      <a:solidFill>
+                        <a:srgbClr val="A3A3A3"/>
+                      </a:solidFill>
+                      <a:prstDash val="solid"/>
+                      <a:round/>
+                      <a:headEnd type="none" w="med" len="med"/>
+                      <a:tailEnd type="none" w="med" len="med"/>
+                    </a:lnL>
+                    <a:lnR w="12700" cap="flat" cmpd="sng" algn="ctr">
+                      <a:solidFill>
+                        <a:srgbClr val="A3A3A3"/>
+                      </a:solidFill>
+                      <a:prstDash val="solid"/>
+                      <a:round/>
+                      <a:headEnd type="none" w="med" len="med"/>
+                      <a:tailEnd type="none" w="med" len="med"/>
+                    </a:lnR>
+                    <a:lnT w="12700" cap="flat" cmpd="sng" algn="ctr">
+                      <a:solidFill>
+                        <a:srgbClr val="A3A3A3"/>
+                      </a:solidFill>
+                      <a:prstDash val="solid"/>
+                      <a:round/>
+                      <a:headEnd type="none" w="med" len="med"/>
+                      <a:tailEnd type="none" w="med" len="med"/>
+                    </a:lnT>
+                    <a:lnB w="12700" cap="flat" cmpd="sng" algn="ctr">
+                      <a:solidFill>
+                        <a:srgbClr val="A3A3A3"/>
+                      </a:solidFill>
+                      <a:prstDash val="solid"/>
+                      <a:round/>
+                      <a:headEnd type="none" w="med" len="med"/>
+                      <a:tailEnd type="none" w="med" len="med"/>
+                    </a:lnB>
+                  </a:tcPr>
+                </a:tc>
+                <a:tc>
+                  <a:txBody>
+                    <a:bodyPr/>
+                    <a:lstStyle/>
+                    <a:p>
+                      <a:pPr marL="0" marR="0" fontAlgn="t">
+                        <a:spcBef>
+                          <a:spcPts val="0"/>
+                        </a:spcBef>
+                        <a:spcAft>
+                          <a:spcPts val="0"/>
+                        </a:spcAft>
+                      </a:pPr>
+                      <a:r>
+                        <a:rPr lang="en-US" sz="3600" dirty="0" smtClean="0">
+                          <a:effectLst/>
+                          <a:latin typeface="Calibri" panose="020F0502020204030204" pitchFamily="34" charset="0"/>
+                        </a:rPr>
+                        <a:t>Virtualization</a:t>
+                      </a:r>
+                      <a:endParaRPr lang="en-US" sz="3600" dirty="0">
+                        <a:effectLst/>
+                        <a:latin typeface="Calibri" panose="020F0502020204030204" pitchFamily="34" charset="0"/>
+                      </a:endParaRPr>
+                    </a:p>
+                  </a:txBody>
+                  <a:tcPr marL="50800" marR="50800" marT="50800" marB="50800">
+                    <a:lnL w="12700" cap="flat" cmpd="sng" algn="ctr">
+                      <a:solidFill>
+                        <a:srgbClr val="A3A3A3"/>
+                      </a:solidFill>
+                      <a:prstDash val="solid"/>
+                      <a:round/>
+                      <a:headEnd type="none" w="med" len="med"/>
+                      <a:tailEnd type="none" w="med" len="med"/>
+                    </a:lnL>
+                    <a:lnR w="12700" cap="flat" cmpd="sng" algn="ctr">
+                      <a:solidFill>
+                        <a:srgbClr val="A3A3A3"/>
+                      </a:solidFill>
+                      <a:prstDash val="solid"/>
+                      <a:round/>
+                      <a:headEnd type="none" w="med" len="med"/>
+                      <a:tailEnd type="none" w="med" len="med"/>
+                    </a:lnR>
+                    <a:lnT w="12700" cap="flat" cmpd="sng" algn="ctr">
+                      <a:solidFill>
+                        <a:srgbClr val="A3A3A3"/>
+                      </a:solidFill>
+                      <a:prstDash val="solid"/>
+                      <a:round/>
+                      <a:headEnd type="none" w="med" len="med"/>
+                      <a:tailEnd type="none" w="med" len="med"/>
+                    </a:lnT>
+                    <a:lnB w="12700" cap="flat" cmpd="sng" algn="ctr">
+                      <a:solidFill>
+                        <a:srgbClr val="A3A3A3"/>
+                      </a:solidFill>
+                      <a:prstDash val="solid"/>
+                      <a:round/>
+                      <a:headEnd type="none" w="med" len="med"/>
+                      <a:tailEnd type="none" w="med" len="med"/>
+                    </a:lnB>
+                  </a:tcPr>
+                </a:tc>
+              </a:tr>
+              <a:tr h="741969">
+                <a:tc>
+                  <a:txBody>
+                    <a:bodyPr/>
+                    <a:lstStyle/>
+                    <a:p>
+                      <a:pPr marL="0" marR="0" fontAlgn="t">
+                        <a:spcBef>
+                          <a:spcPts val="0"/>
+                        </a:spcBef>
+                        <a:spcAft>
+                          <a:spcPts val="0"/>
+                        </a:spcAft>
+                      </a:pPr>
+                      <a:r>
+                        <a:rPr lang="en-US" sz="1600" dirty="0">
+                          <a:effectLst/>
+                          <a:latin typeface="Calibri" panose="020F0502020204030204" pitchFamily="34" charset="0"/>
+                        </a:rPr>
+                        <a:t>Are about virtualizing the operating system subsystems(</a:t>
+                      </a:r>
+                      <a:r>
+                        <a:rPr lang="en-US" sz="1600" dirty="0" err="1">
+                          <a:effectLst/>
+                          <a:latin typeface="Calibri" panose="020F0502020204030204" pitchFamily="34" charset="0"/>
+                        </a:rPr>
+                        <a:t>Network,Filesystems,Process</a:t>
+                      </a:r>
+                      <a:r>
+                        <a:rPr lang="en-US" sz="1600" dirty="0">
+                          <a:effectLst/>
+                          <a:latin typeface="Calibri" panose="020F0502020204030204" pitchFamily="34" charset="0"/>
+                        </a:rPr>
+                        <a:t>…) </a:t>
+                      </a:r>
+                    </a:p>
+                  </a:txBody>
+                  <a:tcPr marL="50800" marR="50800" marT="50800" marB="50800">
+                    <a:lnL w="12700" cap="flat" cmpd="sng" algn="ctr">
+                      <a:solidFill>
+                        <a:srgbClr val="A3A3A3"/>
+                      </a:solidFill>
+                      <a:prstDash val="solid"/>
+                      <a:round/>
+                      <a:headEnd type="none" w="med" len="med"/>
+                      <a:tailEnd type="none" w="med" len="med"/>
+                    </a:lnL>
+                    <a:lnR w="12700" cap="flat" cmpd="sng" algn="ctr">
+                      <a:solidFill>
+                        <a:srgbClr val="A3A3A3"/>
+                      </a:solidFill>
+                      <a:prstDash val="solid"/>
+                      <a:round/>
+                      <a:headEnd type="none" w="med" len="med"/>
+                      <a:tailEnd type="none" w="med" len="med"/>
+                    </a:lnR>
+                    <a:lnT w="12700" cap="flat" cmpd="sng" algn="ctr">
+                      <a:solidFill>
+                        <a:srgbClr val="A3A3A3"/>
+                      </a:solidFill>
+                      <a:prstDash val="solid"/>
+                      <a:round/>
+                      <a:headEnd type="none" w="med" len="med"/>
+                      <a:tailEnd type="none" w="med" len="med"/>
+                    </a:lnT>
+                    <a:lnB w="12700" cap="flat" cmpd="sng" algn="ctr">
+                      <a:solidFill>
+                        <a:srgbClr val="A3A3A3"/>
+                      </a:solidFill>
+                      <a:prstDash val="solid"/>
+                      <a:round/>
+                      <a:headEnd type="none" w="med" len="med"/>
+                      <a:tailEnd type="none" w="med" len="med"/>
+                    </a:lnB>
+                  </a:tcPr>
+                </a:tc>
+                <a:tc>
+                  <a:txBody>
+                    <a:bodyPr/>
+                    <a:lstStyle/>
+                    <a:p>
+                      <a:pPr marL="0" marR="0" fontAlgn="t">
+                        <a:spcBef>
+                          <a:spcPts val="0"/>
+                        </a:spcBef>
+                        <a:spcAft>
+                          <a:spcPts val="0"/>
+                        </a:spcAft>
+                      </a:pPr>
+                      <a:r>
+                        <a:rPr lang="en-US" sz="1600" dirty="0">
+                          <a:effectLst/>
+                          <a:latin typeface="Calibri" panose="020F0502020204030204" pitchFamily="34" charset="0"/>
+                        </a:rPr>
+                        <a:t>Based on emulating Hardware or  are about virtualizing hardware</a:t>
+                      </a:r>
+                    </a:p>
+                  </a:txBody>
+                  <a:tcPr marL="50800" marR="50800" marT="50800" marB="50800">
+                    <a:lnL w="12700" cap="flat" cmpd="sng" algn="ctr">
+                      <a:solidFill>
+                        <a:srgbClr val="A3A3A3"/>
+                      </a:solidFill>
+                      <a:prstDash val="solid"/>
+                      <a:round/>
+                      <a:headEnd type="none" w="med" len="med"/>
+                      <a:tailEnd type="none" w="med" len="med"/>
+                    </a:lnL>
+                    <a:lnR w="12700" cap="flat" cmpd="sng" algn="ctr">
+                      <a:solidFill>
+                        <a:srgbClr val="A3A3A3"/>
+                      </a:solidFill>
+                      <a:prstDash val="solid"/>
+                      <a:round/>
+                      <a:headEnd type="none" w="med" len="med"/>
+                      <a:tailEnd type="none" w="med" len="med"/>
+                    </a:lnR>
+                    <a:lnT w="12700" cap="flat" cmpd="sng" algn="ctr">
+                      <a:solidFill>
+                        <a:srgbClr val="A3A3A3"/>
+                      </a:solidFill>
+                      <a:prstDash val="solid"/>
+                      <a:round/>
+                      <a:headEnd type="none" w="med" len="med"/>
+                      <a:tailEnd type="none" w="med" len="med"/>
+                    </a:lnT>
+                    <a:lnB w="12700" cap="flat" cmpd="sng" algn="ctr">
+                      <a:solidFill>
+                        <a:srgbClr val="A3A3A3"/>
+                      </a:solidFill>
+                      <a:prstDash val="solid"/>
+                      <a:round/>
+                      <a:headEnd type="none" w="med" len="med"/>
+                      <a:tailEnd type="none" w="med" len="med"/>
+                    </a:lnB>
+                  </a:tcPr>
+                </a:tc>
+              </a:tr>
+              <a:tr h="428077">
+                <a:tc>
+                  <a:txBody>
+                    <a:bodyPr/>
+                    <a:lstStyle/>
+                    <a:p>
+                      <a:pPr marL="0" marR="0" fontAlgn="t">
+                        <a:spcBef>
+                          <a:spcPts val="0"/>
+                        </a:spcBef>
+                        <a:spcAft>
+                          <a:spcPts val="0"/>
+                        </a:spcAft>
+                      </a:pPr>
+                      <a:r>
+                        <a:rPr lang="en-US" sz="1600" dirty="0">
+                          <a:effectLst/>
+                          <a:latin typeface="Calibri" panose="020F0502020204030204" pitchFamily="34" charset="0"/>
+                        </a:rPr>
+                        <a:t>Single kernel</a:t>
+                      </a:r>
+                    </a:p>
+                  </a:txBody>
+                  <a:tcPr marL="50800" marR="50800" marT="50800" marB="50800">
+                    <a:lnL w="12700" cap="flat" cmpd="sng" algn="ctr">
+                      <a:solidFill>
+                        <a:srgbClr val="A3A3A3"/>
+                      </a:solidFill>
+                      <a:prstDash val="solid"/>
+                      <a:round/>
+                      <a:headEnd type="none" w="med" len="med"/>
+                      <a:tailEnd type="none" w="med" len="med"/>
+                    </a:lnL>
+                    <a:lnR w="12700" cap="flat" cmpd="sng" algn="ctr">
+                      <a:solidFill>
+                        <a:srgbClr val="A3A3A3"/>
+                      </a:solidFill>
+                      <a:prstDash val="solid"/>
+                      <a:round/>
+                      <a:headEnd type="none" w="med" len="med"/>
+                      <a:tailEnd type="none" w="med" len="med"/>
+                    </a:lnR>
+                    <a:lnT w="12700" cap="flat" cmpd="sng" algn="ctr">
+                      <a:solidFill>
+                        <a:srgbClr val="A3A3A3"/>
+                      </a:solidFill>
+                      <a:prstDash val="solid"/>
+                      <a:round/>
+                      <a:headEnd type="none" w="med" len="med"/>
+                      <a:tailEnd type="none" w="med" len="med"/>
+                    </a:lnT>
+                    <a:lnB w="12700" cap="flat" cmpd="sng" algn="ctr">
+                      <a:solidFill>
+                        <a:srgbClr val="A3A3A3"/>
+                      </a:solidFill>
+                      <a:prstDash val="solid"/>
+                      <a:round/>
+                      <a:headEnd type="none" w="med" len="med"/>
+                      <a:tailEnd type="none" w="med" len="med"/>
+                    </a:lnB>
+                  </a:tcPr>
+                </a:tc>
+                <a:tc>
+                  <a:txBody>
+                    <a:bodyPr/>
+                    <a:lstStyle/>
+                    <a:p>
+                      <a:pPr marL="0" marR="0" fontAlgn="t">
+                        <a:spcBef>
+                          <a:spcPts val="0"/>
+                        </a:spcBef>
+                        <a:spcAft>
+                          <a:spcPts val="0"/>
+                        </a:spcAft>
+                      </a:pPr>
+                      <a:r>
+                        <a:rPr lang="en-US" sz="1600">
+                          <a:effectLst/>
+                          <a:latin typeface="Calibri" panose="020F0502020204030204" pitchFamily="34" charset="0"/>
+                        </a:rPr>
+                        <a:t>Multiple kernels</a:t>
+                      </a:r>
+                    </a:p>
+                  </a:txBody>
+                  <a:tcPr marL="50800" marR="50800" marT="50800" marB="50800">
+                    <a:lnL w="12700" cap="flat" cmpd="sng" algn="ctr">
+                      <a:solidFill>
+                        <a:srgbClr val="A3A3A3"/>
+                      </a:solidFill>
+                      <a:prstDash val="solid"/>
+                      <a:round/>
+                      <a:headEnd type="none" w="med" len="med"/>
+                      <a:tailEnd type="none" w="med" len="med"/>
+                    </a:lnL>
+                    <a:lnR w="12700" cap="flat" cmpd="sng" algn="ctr">
+                      <a:solidFill>
+                        <a:srgbClr val="A3A3A3"/>
+                      </a:solidFill>
+                      <a:prstDash val="solid"/>
+                      <a:round/>
+                      <a:headEnd type="none" w="med" len="med"/>
+                      <a:tailEnd type="none" w="med" len="med"/>
+                    </a:lnR>
+                    <a:lnT w="12700" cap="flat" cmpd="sng" algn="ctr">
+                      <a:solidFill>
+                        <a:srgbClr val="A3A3A3"/>
+                      </a:solidFill>
+                      <a:prstDash val="solid"/>
+                      <a:round/>
+                      <a:headEnd type="none" w="med" len="med"/>
+                      <a:tailEnd type="none" w="med" len="med"/>
+                    </a:lnT>
+                    <a:lnB w="12700" cap="flat" cmpd="sng" algn="ctr">
+                      <a:solidFill>
+                        <a:srgbClr val="A3A3A3"/>
+                      </a:solidFill>
+                      <a:prstDash val="solid"/>
+                      <a:round/>
+                      <a:headEnd type="none" w="med" len="med"/>
+                      <a:tailEnd type="none" w="med" len="med"/>
+                    </a:lnB>
+                  </a:tcPr>
+                </a:tc>
+              </a:tr>
+              <a:tr h="428077">
+                <a:tc>
+                  <a:txBody>
+                    <a:bodyPr/>
+                    <a:lstStyle/>
+                    <a:p>
+                      <a:pPr marL="0" marR="0" fontAlgn="t">
+                        <a:spcBef>
+                          <a:spcPts val="0"/>
+                        </a:spcBef>
+                        <a:spcAft>
+                          <a:spcPts val="0"/>
+                        </a:spcAft>
+                      </a:pPr>
+                      <a:r>
+                        <a:rPr lang="en-US" sz="1600" dirty="0">
+                          <a:effectLst/>
+                          <a:latin typeface="Calibri" panose="020F0502020204030204" pitchFamily="34" charset="0"/>
+                        </a:rPr>
+                        <a:t>Initially embraced by service </a:t>
+                      </a:r>
+                      <a:r>
+                        <a:rPr lang="en-US" sz="1600" dirty="0" smtClean="0">
+                          <a:effectLst/>
+                          <a:latin typeface="Calibri" panose="020F0502020204030204" pitchFamily="34" charset="0"/>
+                        </a:rPr>
+                        <a:t>providers </a:t>
+                      </a:r>
+                      <a:endParaRPr lang="en-US" sz="1600" dirty="0">
+                        <a:effectLst/>
+                        <a:latin typeface="Calibri" panose="020F0502020204030204" pitchFamily="34" charset="0"/>
+                      </a:endParaRPr>
+                    </a:p>
+                  </a:txBody>
+                  <a:tcPr marL="50800" marR="50800" marT="50800" marB="50800">
+                    <a:lnL w="12700" cap="flat" cmpd="sng" algn="ctr">
+                      <a:solidFill>
+                        <a:srgbClr val="A3A3A3"/>
+                      </a:solidFill>
+                      <a:prstDash val="solid"/>
+                      <a:round/>
+                      <a:headEnd type="none" w="med" len="med"/>
+                      <a:tailEnd type="none" w="med" len="med"/>
+                    </a:lnL>
+                    <a:lnR w="12700" cap="flat" cmpd="sng" algn="ctr">
+                      <a:solidFill>
+                        <a:srgbClr val="A3A3A3"/>
+                      </a:solidFill>
+                      <a:prstDash val="solid"/>
+                      <a:round/>
+                      <a:headEnd type="none" w="med" len="med"/>
+                      <a:tailEnd type="none" w="med" len="med"/>
+                    </a:lnR>
+                    <a:lnT w="12700" cap="flat" cmpd="sng" algn="ctr">
+                      <a:solidFill>
+                        <a:srgbClr val="A3A3A3"/>
+                      </a:solidFill>
+                      <a:prstDash val="solid"/>
+                      <a:round/>
+                      <a:headEnd type="none" w="med" len="med"/>
+                      <a:tailEnd type="none" w="med" len="med"/>
+                    </a:lnT>
+                    <a:lnB w="12700" cap="flat" cmpd="sng" algn="ctr">
+                      <a:solidFill>
+                        <a:srgbClr val="A3A3A3"/>
+                      </a:solidFill>
+                      <a:prstDash val="solid"/>
+                      <a:round/>
+                      <a:headEnd type="none" w="med" len="med"/>
+                      <a:tailEnd type="none" w="med" len="med"/>
+                    </a:lnB>
+                  </a:tcPr>
+                </a:tc>
+                <a:tc>
+                  <a:txBody>
+                    <a:bodyPr/>
+                    <a:lstStyle/>
+                    <a:p>
+                      <a:pPr marL="0" marR="0" fontAlgn="t">
+                        <a:spcBef>
+                          <a:spcPts val="0"/>
+                        </a:spcBef>
+                        <a:spcAft>
+                          <a:spcPts val="0"/>
+                        </a:spcAft>
+                      </a:pPr>
+                      <a:r>
+                        <a:rPr lang="en-US" sz="1600" dirty="0">
+                          <a:effectLst/>
+                          <a:latin typeface="Calibri" panose="020F0502020204030204" pitchFamily="34" charset="0"/>
+                        </a:rPr>
+                        <a:t>Initially embraced by enterprises</a:t>
+                      </a:r>
+                    </a:p>
+                  </a:txBody>
+                  <a:tcPr marL="50800" marR="50800" marT="50800" marB="50800">
+                    <a:lnL w="12700" cap="flat" cmpd="sng" algn="ctr">
+                      <a:solidFill>
+                        <a:srgbClr val="A3A3A3"/>
+                      </a:solidFill>
+                      <a:prstDash val="solid"/>
+                      <a:round/>
+                      <a:headEnd type="none" w="med" len="med"/>
+                      <a:tailEnd type="none" w="med" len="med"/>
+                    </a:lnL>
+                    <a:lnR w="12700" cap="flat" cmpd="sng" algn="ctr">
+                      <a:solidFill>
+                        <a:srgbClr val="A3A3A3"/>
+                      </a:solidFill>
+                      <a:prstDash val="solid"/>
+                      <a:round/>
+                      <a:headEnd type="none" w="med" len="med"/>
+                      <a:tailEnd type="none" w="med" len="med"/>
+                    </a:lnR>
+                    <a:lnT w="12700" cap="flat" cmpd="sng" algn="ctr">
+                      <a:solidFill>
+                        <a:srgbClr val="A3A3A3"/>
+                      </a:solidFill>
+                      <a:prstDash val="solid"/>
+                      <a:round/>
+                      <a:headEnd type="none" w="med" len="med"/>
+                      <a:tailEnd type="none" w="med" len="med"/>
+                    </a:lnT>
+                    <a:lnB w="12700" cap="flat" cmpd="sng" algn="ctr">
+                      <a:solidFill>
+                        <a:srgbClr val="A3A3A3"/>
+                      </a:solidFill>
+                      <a:prstDash val="solid"/>
+                      <a:round/>
+                      <a:headEnd type="none" w="med" len="med"/>
+                      <a:tailEnd type="none" w="med" len="med"/>
+                    </a:lnB>
+                  </a:tcPr>
+                </a:tc>
+              </a:tr>
+              <a:tr h="879242">
+                <a:tc>
+                  <a:txBody>
+                    <a:bodyPr/>
+                    <a:lstStyle/>
+                    <a:p>
+                      <a:pPr marL="0" marR="0" fontAlgn="t">
+                        <a:spcBef>
+                          <a:spcPts val="0"/>
+                        </a:spcBef>
+                        <a:spcAft>
+                          <a:spcPts val="0"/>
+                        </a:spcAft>
+                      </a:pPr>
+                      <a:r>
+                        <a:rPr lang="en-US" sz="1600">
+                          <a:effectLst/>
+                          <a:latin typeface="Calibri" panose="020F0502020204030204" pitchFamily="34" charset="0"/>
+                        </a:rPr>
+                        <a:t>Under resource crunch containers are stable then VMs as only one kernel tries to solve problem</a:t>
+                      </a:r>
+                    </a:p>
+                  </a:txBody>
+                  <a:tcPr marL="50800" marR="50800" marT="50800" marB="50800">
+                    <a:lnL w="12700" cap="flat" cmpd="sng" algn="ctr">
+                      <a:solidFill>
+                        <a:srgbClr val="A3A3A3"/>
+                      </a:solidFill>
+                      <a:prstDash val="solid"/>
+                      <a:round/>
+                      <a:headEnd type="none" w="med" len="med"/>
+                      <a:tailEnd type="none" w="med" len="med"/>
+                    </a:lnL>
+                    <a:lnR w="12700" cap="flat" cmpd="sng" algn="ctr">
+                      <a:solidFill>
+                        <a:srgbClr val="A3A3A3"/>
+                      </a:solidFill>
+                      <a:prstDash val="solid"/>
+                      <a:round/>
+                      <a:headEnd type="none" w="med" len="med"/>
+                      <a:tailEnd type="none" w="med" len="med"/>
+                    </a:lnR>
+                    <a:lnT w="12700" cap="flat" cmpd="sng" algn="ctr">
+                      <a:solidFill>
+                        <a:srgbClr val="A3A3A3"/>
+                      </a:solidFill>
+                      <a:prstDash val="solid"/>
+                      <a:round/>
+                      <a:headEnd type="none" w="med" len="med"/>
+                      <a:tailEnd type="none" w="med" len="med"/>
+                    </a:lnT>
+                    <a:lnB w="12700" cap="flat" cmpd="sng" algn="ctr">
+                      <a:solidFill>
+                        <a:srgbClr val="A3A3A3"/>
+                      </a:solidFill>
+                      <a:prstDash val="solid"/>
+                      <a:round/>
+                      <a:headEnd type="none" w="med" len="med"/>
+                      <a:tailEnd type="none" w="med" len="med"/>
+                    </a:lnB>
+                  </a:tcPr>
+                </a:tc>
+                <a:tc>
+                  <a:txBody>
+                    <a:bodyPr/>
+                    <a:lstStyle/>
+                    <a:p>
+                      <a:pPr marL="0" marR="0" fontAlgn="t">
+                        <a:spcBef>
+                          <a:spcPts val="0"/>
+                        </a:spcBef>
+                        <a:spcAft>
+                          <a:spcPts val="0"/>
+                        </a:spcAft>
+                      </a:pPr>
+                      <a:r>
+                        <a:rPr lang="en-US" sz="1600" dirty="0">
+                          <a:effectLst/>
+                          <a:latin typeface="Calibri" panose="020F0502020204030204" pitchFamily="34" charset="0"/>
+                        </a:rPr>
+                        <a:t>Under resource crunch VM's running on hypervisors are unstable  as one+ kernels start to solve the same problem</a:t>
+                      </a:r>
+                    </a:p>
+                  </a:txBody>
+                  <a:tcPr marL="50800" marR="50800" marT="50800" marB="50800">
+                    <a:lnL w="12700" cap="flat" cmpd="sng" algn="ctr">
+                      <a:solidFill>
+                        <a:srgbClr val="A3A3A3"/>
+                      </a:solidFill>
+                      <a:prstDash val="solid"/>
+                      <a:round/>
+                      <a:headEnd type="none" w="med" len="med"/>
+                      <a:tailEnd type="none" w="med" len="med"/>
+                    </a:lnL>
+                    <a:lnR w="12700" cap="flat" cmpd="sng" algn="ctr">
+                      <a:solidFill>
+                        <a:srgbClr val="A3A3A3"/>
+                      </a:solidFill>
+                      <a:prstDash val="solid"/>
+                      <a:round/>
+                      <a:headEnd type="none" w="med" len="med"/>
+                      <a:tailEnd type="none" w="med" len="med"/>
+                    </a:lnR>
+                    <a:lnT w="12700" cap="flat" cmpd="sng" algn="ctr">
+                      <a:solidFill>
+                        <a:srgbClr val="A3A3A3"/>
+                      </a:solidFill>
+                      <a:prstDash val="solid"/>
+                      <a:round/>
+                      <a:headEnd type="none" w="med" len="med"/>
+                      <a:tailEnd type="none" w="med" len="med"/>
+                    </a:lnT>
+                    <a:lnB w="12700" cap="flat" cmpd="sng" algn="ctr">
+                      <a:solidFill>
+                        <a:srgbClr val="A3A3A3"/>
+                      </a:solidFill>
+                      <a:prstDash val="solid"/>
+                      <a:round/>
+                      <a:headEnd type="none" w="med" len="med"/>
+                      <a:tailEnd type="none" w="med" len="med"/>
+                    </a:lnB>
+                  </a:tcPr>
+                </a:tc>
+              </a:tr>
+              <a:tr h="621902">
+                <a:tc>
+                  <a:txBody>
+                    <a:bodyPr/>
+                    <a:lstStyle/>
+                    <a:p>
+                      <a:pPr marL="0" marR="0" fontAlgn="t">
+                        <a:spcBef>
+                          <a:spcPts val="0"/>
+                        </a:spcBef>
+                        <a:spcAft>
+                          <a:spcPts val="0"/>
+                        </a:spcAft>
+                      </a:pPr>
+                      <a:r>
+                        <a:rPr lang="en-US" sz="1600">
+                          <a:effectLst/>
+                          <a:latin typeface="Calibri" panose="020F0502020204030204" pitchFamily="34" charset="0"/>
+                        </a:rPr>
+                        <a:t>Lightness makes them far more dense and elastic</a:t>
+                      </a:r>
+                    </a:p>
+                  </a:txBody>
+                  <a:tcPr marL="50800" marR="50800" marT="50800" marB="50800">
+                    <a:lnL w="12700" cap="flat" cmpd="sng" algn="ctr">
+                      <a:solidFill>
+                        <a:srgbClr val="A3A3A3"/>
+                      </a:solidFill>
+                      <a:prstDash val="solid"/>
+                      <a:round/>
+                      <a:headEnd type="none" w="med" len="med"/>
+                      <a:tailEnd type="none" w="med" len="med"/>
+                    </a:lnL>
+                    <a:lnR w="12700" cap="flat" cmpd="sng" algn="ctr">
+                      <a:solidFill>
+                        <a:srgbClr val="A3A3A3"/>
+                      </a:solidFill>
+                      <a:prstDash val="solid"/>
+                      <a:round/>
+                      <a:headEnd type="none" w="med" len="med"/>
+                      <a:tailEnd type="none" w="med" len="med"/>
+                    </a:lnR>
+                    <a:lnT w="12700" cap="flat" cmpd="sng" algn="ctr">
+                      <a:solidFill>
+                        <a:srgbClr val="A3A3A3"/>
+                      </a:solidFill>
+                      <a:prstDash val="solid"/>
+                      <a:round/>
+                      <a:headEnd type="none" w="med" len="med"/>
+                      <a:tailEnd type="none" w="med" len="med"/>
+                    </a:lnT>
+                    <a:lnB w="12700" cap="flat" cmpd="sng" algn="ctr">
+                      <a:solidFill>
+                        <a:srgbClr val="A3A3A3"/>
+                      </a:solidFill>
+                      <a:prstDash val="solid"/>
+                      <a:round/>
+                      <a:headEnd type="none" w="med" len="med"/>
+                      <a:tailEnd type="none" w="med" len="med"/>
+                    </a:lnB>
+                  </a:tcPr>
+                </a:tc>
+                <a:tc>
+                  <a:txBody>
+                    <a:bodyPr/>
+                    <a:lstStyle/>
+                    <a:p>
+                      <a:pPr marL="0" marR="0" fontAlgn="t">
+                        <a:spcBef>
+                          <a:spcPts val="0"/>
+                        </a:spcBef>
+                        <a:spcAft>
+                          <a:spcPts val="0"/>
+                        </a:spcAft>
+                      </a:pPr>
+                      <a:r>
+                        <a:rPr lang="en-US" sz="1600" dirty="0">
+                          <a:effectLst/>
+                          <a:latin typeface="Calibri" panose="020F0502020204030204" pitchFamily="34" charset="0"/>
+                        </a:rPr>
+                        <a:t>Less elasticity and density</a:t>
+                      </a:r>
+                    </a:p>
+                  </a:txBody>
+                  <a:tcPr marL="50800" marR="50800" marT="50800" marB="50800">
+                    <a:lnL w="12700" cap="flat" cmpd="sng" algn="ctr">
+                      <a:solidFill>
+                        <a:srgbClr val="A3A3A3"/>
+                      </a:solidFill>
+                      <a:prstDash val="solid"/>
+                      <a:round/>
+                      <a:headEnd type="none" w="med" len="med"/>
+                      <a:tailEnd type="none" w="med" len="med"/>
+                    </a:lnL>
+                    <a:lnR w="12700" cap="flat" cmpd="sng" algn="ctr">
+                      <a:solidFill>
+                        <a:srgbClr val="A3A3A3"/>
+                      </a:solidFill>
+                      <a:prstDash val="solid"/>
+                      <a:round/>
+                      <a:headEnd type="none" w="med" len="med"/>
+                      <a:tailEnd type="none" w="med" len="med"/>
+                    </a:lnR>
+                    <a:lnT w="12700" cap="flat" cmpd="sng" algn="ctr">
+                      <a:solidFill>
+                        <a:srgbClr val="A3A3A3"/>
+                      </a:solidFill>
+                      <a:prstDash val="solid"/>
+                      <a:round/>
+                      <a:headEnd type="none" w="med" len="med"/>
+                      <a:tailEnd type="none" w="med" len="med"/>
+                    </a:lnT>
+                    <a:lnB w="12700" cap="flat" cmpd="sng" algn="ctr">
+                      <a:solidFill>
+                        <a:srgbClr val="A3A3A3"/>
+                      </a:solidFill>
+                      <a:prstDash val="solid"/>
+                      <a:round/>
+                      <a:headEnd type="none" w="med" len="med"/>
+                      <a:tailEnd type="none" w="med" len="med"/>
+                    </a:lnB>
+                  </a:tcPr>
+                </a:tc>
+              </a:tr>
+            </a:tbl>
+          </a:graphicData>
+        </a:graphic>
+      </p:graphicFrame>
+    </p:spTree>
+    <p:extLst>
+      <p:ext uri="{BB962C8B-B14F-4D97-AF65-F5344CB8AC3E}">
+        <p14:creationId xmlns:p14="http://schemas.microsoft.com/office/powerpoint/2010/main" val="1137975776"/>
+      </p:ext>
+    </p:extLst>
+  </p:cSld>
+  <p:clrMapOvr>
+    <a:masterClrMapping/>
+  </p:clrMapOvr>
+</p:sld>
+</file>
+
+<file path=ppt/slides/slide12.xml><?xml version="1.0" encoding="utf-8"?>
+<p:sld xmlns:a="http://schemas.openxmlformats.org/drawingml/2006/main" xmlns:r="http://schemas.openxmlformats.org/officeDocument/2006/relationships" xmlns:p="http://schemas.openxmlformats.org/presentationml/2006/main">
+  <p:cSld>
+    <p:spTree>
+      <p:nvGrpSpPr>
+        <p:cNvPr id="1" name=""/>
+        <p:cNvGrpSpPr/>
+        <p:nvPr/>
+      </p:nvGrpSpPr>
+      <p:grpSpPr>
+        <a:xfrm>
+          <a:off x="0" y="0"/>
+          <a:ext cx="0" cy="0"/>
+          <a:chOff x="0" y="0"/>
+          <a:chExt cx="0" cy="0"/>
+        </a:xfrm>
+      </p:grpSpPr>
       <p:sp>
         <p:nvSpPr>
           <p:cNvPr id="2" name="Title 1"/>
@@ -6009,7 +6847,7 @@
 </p:sld>
 </file>
 
-<file path=ppt/slides/slide12.xml><?xml version="1.0" encoding="utf-8"?>
+<file path=ppt/slides/slide13.xml><?xml version="1.0" encoding="utf-8"?>
 <p:sld xmlns:a="http://schemas.openxmlformats.org/drawingml/2006/main" xmlns:r="http://schemas.openxmlformats.org/officeDocument/2006/relationships" xmlns:p="http://schemas.openxmlformats.org/presentationml/2006/main">
   <p:cSld>
     <p:spTree>
@@ -7112,124 +7950,6 @@
 </p:sld>
 </file>
 
-<file path=ppt/slides/slide13.xml><?xml version="1.0" encoding="utf-8"?>
-<p:sld xmlns:a="http://schemas.openxmlformats.org/drawingml/2006/main" xmlns:r="http://schemas.openxmlformats.org/officeDocument/2006/relationships" xmlns:p="http://schemas.openxmlformats.org/presentationml/2006/main">
-  <p:cSld>
-    <p:spTree>
-      <p:nvGrpSpPr>
-        <p:cNvPr id="1" name=""/>
-        <p:cNvGrpSpPr/>
-        <p:nvPr/>
-      </p:nvGrpSpPr>
-      <p:grpSpPr>
-        <a:xfrm>
-          <a:off x="0" y="0"/>
-          <a:ext cx="0" cy="0"/>
-          <a:chOff x="0" y="0"/>
-          <a:chExt cx="0" cy="0"/>
-        </a:xfrm>
-      </p:grpSpPr>
-      <p:sp>
-        <p:nvSpPr>
-          <p:cNvPr id="2" name="Title 1"/>
-          <p:cNvSpPr>
-            <a:spLocks noGrp="1"/>
-          </p:cNvSpPr>
-          <p:nvPr>
-            <p:ph type="title"/>
-          </p:nvPr>
-        </p:nvSpPr>
-        <p:spPr/>
-        <p:txBody>
-          <a:bodyPr/>
-          <a:lstStyle/>
-          <a:p>
-            <a:r>
-              <a:rPr lang="en-US" dirty="0" smtClean="0"/>
-              <a:t>Demo is consisting of 3 parts</a:t>
-            </a:r>
-            <a:endParaRPr lang="en-US" dirty="0"/>
-          </a:p>
-        </p:txBody>
-      </p:sp>
-      <p:sp>
-        <p:nvSpPr>
-          <p:cNvPr id="3" name="Content Placeholder 2"/>
-          <p:cNvSpPr>
-            <a:spLocks noGrp="1"/>
-          </p:cNvSpPr>
-          <p:nvPr>
-            <p:ph idx="1"/>
-          </p:nvPr>
-        </p:nvSpPr>
-        <p:spPr/>
-        <p:txBody>
-          <a:bodyPr/>
-          <a:lstStyle/>
-          <a:p>
-            <a:pPr marL="0" indent="0">
-              <a:buNone/>
-            </a:pPr>
-            <a:endParaRPr lang="en-US" dirty="0" smtClean="0"/>
-          </a:p>
-          <a:p>
-            <a:pPr marL="0" indent="0">
-              <a:buNone/>
-            </a:pPr>
-            <a:r>
-              <a:rPr lang="en-US" dirty="0" smtClean="0"/>
-              <a:t>Part 1: Deploy application on a Machine</a:t>
-            </a:r>
-          </a:p>
-          <a:p>
-            <a:pPr marL="0" indent="0">
-              <a:buNone/>
-            </a:pPr>
-            <a:r>
-              <a:rPr lang="en-US" dirty="0" smtClean="0"/>
-              <a:t>Part 2 :</a:t>
-            </a:r>
-            <a:r>
-              <a:rPr lang="en-US" dirty="0"/>
-              <a:t>D</a:t>
-            </a:r>
-            <a:r>
-              <a:rPr lang="en-US" dirty="0" smtClean="0"/>
-              <a:t>eploy application with in Containers</a:t>
-            </a:r>
-          </a:p>
-          <a:p>
-            <a:pPr marL="0" indent="0">
-              <a:buNone/>
-            </a:pPr>
-            <a:r>
-              <a:rPr lang="en-US" dirty="0" smtClean="0"/>
-              <a:t>Part 3: Deploy application with in Openshift</a:t>
-            </a:r>
-            <a:endParaRPr lang="en-US" dirty="0"/>
-          </a:p>
-        </p:txBody>
-      </p:sp>
-    </p:spTree>
-    <p:extLst>
-      <p:ext uri="{BB962C8B-B14F-4D97-AF65-F5344CB8AC3E}">
-        <p14:creationId xmlns:p14="http://schemas.microsoft.com/office/powerpoint/2010/main" val="3729870212"/>
-      </p:ext>
-    </p:extLst>
-  </p:cSld>
-  <p:clrMapOvr>
-    <a:masterClrMapping/>
-  </p:clrMapOvr>
-  <p:timing>
-    <p:tnLst>
-      <p:par>
-        <p:cTn id="1" dur="indefinite" restart="never" nodeType="tmRoot"/>
-      </p:par>
-    </p:tnLst>
-  </p:timing>
-</p:sld>
-</file>
-
 <file path=ppt/slides/slide14.xml><?xml version="1.0" encoding="utf-8"?>
 <p:sld xmlns:a="http://schemas.openxmlformats.org/drawingml/2006/main" xmlns:r="http://schemas.openxmlformats.org/officeDocument/2006/relationships" xmlns:p="http://schemas.openxmlformats.org/presentationml/2006/main">
   <p:cSld>
@@ -7264,6 +7984,124 @@
           <a:p>
             <a:r>
               <a:rPr lang="en-US" dirty="0" smtClean="0"/>
+              <a:t>Demo is consisting of 3 parts</a:t>
+            </a:r>
+            <a:endParaRPr lang="en-US" dirty="0"/>
+          </a:p>
+        </p:txBody>
+      </p:sp>
+      <p:sp>
+        <p:nvSpPr>
+          <p:cNvPr id="3" name="Content Placeholder 2"/>
+          <p:cNvSpPr>
+            <a:spLocks noGrp="1"/>
+          </p:cNvSpPr>
+          <p:nvPr>
+            <p:ph idx="1"/>
+          </p:nvPr>
+        </p:nvSpPr>
+        <p:spPr/>
+        <p:txBody>
+          <a:bodyPr/>
+          <a:lstStyle/>
+          <a:p>
+            <a:pPr marL="0" indent="0">
+              <a:buNone/>
+            </a:pPr>
+            <a:endParaRPr lang="en-US" dirty="0" smtClean="0"/>
+          </a:p>
+          <a:p>
+            <a:pPr marL="0" indent="0">
+              <a:buNone/>
+            </a:pPr>
+            <a:r>
+              <a:rPr lang="en-US" dirty="0" smtClean="0"/>
+              <a:t>Part 1: Deploy application on a Machine</a:t>
+            </a:r>
+          </a:p>
+          <a:p>
+            <a:pPr marL="0" indent="0">
+              <a:buNone/>
+            </a:pPr>
+            <a:r>
+              <a:rPr lang="en-US" dirty="0" smtClean="0"/>
+              <a:t>Part 2 :</a:t>
+            </a:r>
+            <a:r>
+              <a:rPr lang="en-US" dirty="0"/>
+              <a:t>D</a:t>
+            </a:r>
+            <a:r>
+              <a:rPr lang="en-US" dirty="0" smtClean="0"/>
+              <a:t>eploy application with in Containers</a:t>
+            </a:r>
+          </a:p>
+          <a:p>
+            <a:pPr marL="0" indent="0">
+              <a:buNone/>
+            </a:pPr>
+            <a:r>
+              <a:rPr lang="en-US" dirty="0" smtClean="0"/>
+              <a:t>Part 3: Deploy application with in Openshift</a:t>
+            </a:r>
+            <a:endParaRPr lang="en-US" dirty="0"/>
+          </a:p>
+        </p:txBody>
+      </p:sp>
+    </p:spTree>
+    <p:extLst>
+      <p:ext uri="{BB962C8B-B14F-4D97-AF65-F5344CB8AC3E}">
+        <p14:creationId xmlns:p14="http://schemas.microsoft.com/office/powerpoint/2010/main" val="3729870212"/>
+      </p:ext>
+    </p:extLst>
+  </p:cSld>
+  <p:clrMapOvr>
+    <a:masterClrMapping/>
+  </p:clrMapOvr>
+  <p:timing>
+    <p:tnLst>
+      <p:par>
+        <p:cTn id="1" dur="indefinite" restart="never" nodeType="tmRoot"/>
+      </p:par>
+    </p:tnLst>
+  </p:timing>
+</p:sld>
+</file>
+
+<file path=ppt/slides/slide15.xml><?xml version="1.0" encoding="utf-8"?>
+<p:sld xmlns:a="http://schemas.openxmlformats.org/drawingml/2006/main" xmlns:r="http://schemas.openxmlformats.org/officeDocument/2006/relationships" xmlns:p="http://schemas.openxmlformats.org/presentationml/2006/main">
+  <p:cSld>
+    <p:spTree>
+      <p:nvGrpSpPr>
+        <p:cNvPr id="1" name=""/>
+        <p:cNvGrpSpPr/>
+        <p:nvPr/>
+      </p:nvGrpSpPr>
+      <p:grpSpPr>
+        <a:xfrm>
+          <a:off x="0" y="0"/>
+          <a:ext cx="0" cy="0"/>
+          <a:chOff x="0" y="0"/>
+          <a:chExt cx="0" cy="0"/>
+        </a:xfrm>
+      </p:grpSpPr>
+      <p:sp>
+        <p:nvSpPr>
+          <p:cNvPr id="2" name="Title 1"/>
+          <p:cNvSpPr>
+            <a:spLocks noGrp="1"/>
+          </p:cNvSpPr>
+          <p:nvPr>
+            <p:ph type="title"/>
+          </p:nvPr>
+        </p:nvSpPr>
+        <p:spPr/>
+        <p:txBody>
+          <a:bodyPr/>
+          <a:lstStyle/>
+          <a:p>
+            <a:r>
+              <a:rPr lang="en-US" dirty="0" smtClean="0"/>
               <a:t>Part 1: </a:t>
             </a:r>
             <a:r>
@@ -7564,7 +8402,7 @@
 </p:sld>
 </file>
 
-<file path=ppt/slides/slide15.xml><?xml version="1.0" encoding="utf-8"?>
+<file path=ppt/slides/slide16.xml><?xml version="1.0" encoding="utf-8"?>
 <p:sld xmlns:a="http://schemas.openxmlformats.org/drawingml/2006/main" xmlns:r="http://schemas.openxmlformats.org/officeDocument/2006/relationships" xmlns:p="http://schemas.openxmlformats.org/presentationml/2006/main">
   <p:cSld>
     <p:spTree>
@@ -8483,7 +9321,7 @@
 </p:sld>
 </file>
 
-<file path=ppt/slides/slide16.xml><?xml version="1.0" encoding="utf-8"?>
+<file path=ppt/slides/slide17.xml><?xml version="1.0" encoding="utf-8"?>
 <p:sld xmlns:a="http://schemas.openxmlformats.org/drawingml/2006/main" xmlns:r="http://schemas.openxmlformats.org/officeDocument/2006/relationships" xmlns:p="http://schemas.openxmlformats.org/presentationml/2006/main">
   <p:cSld>
     <p:spTree>
@@ -8940,7 +9778,7 @@
 </p:sld>
 </file>
 
-<file path=ppt/slides/slide17.xml><?xml version="1.0" encoding="utf-8"?>
+<file path=ppt/slides/slide18.xml><?xml version="1.0" encoding="utf-8"?>
 <p:sld xmlns:a="http://schemas.openxmlformats.org/drawingml/2006/main" xmlns:r="http://schemas.openxmlformats.org/officeDocument/2006/relationships" xmlns:p="http://schemas.openxmlformats.org/presentationml/2006/main">
   <p:cSld>
     <p:spTree>
@@ -9355,7 +10193,7 @@
 </p:sld>
 </file>
 
-<file path=ppt/slides/slide18.xml><?xml version="1.0" encoding="utf-8"?>
+<file path=ppt/slides/slide19.xml><?xml version="1.0" encoding="utf-8"?>
 <p:sld xmlns:a="http://schemas.openxmlformats.org/drawingml/2006/main" xmlns:r="http://schemas.openxmlformats.org/officeDocument/2006/relationships" xmlns:p="http://schemas.openxmlformats.org/presentationml/2006/main">
   <p:cSld>
     <p:spTree>
@@ -9808,231 +10646,6 @@
       </p:par>
     </p:tnLst>
   </p:timing>
-</p:sld>
-</file>
-
-<file path=ppt/slides/slide19.xml><?xml version="1.0" encoding="utf-8"?>
-<p:sld xmlns:a="http://schemas.openxmlformats.org/drawingml/2006/main" xmlns:r="http://schemas.openxmlformats.org/officeDocument/2006/relationships" xmlns:p="http://schemas.openxmlformats.org/presentationml/2006/main">
-  <p:cSld>
-    <p:spTree>
-      <p:nvGrpSpPr>
-        <p:cNvPr id="1" name=""/>
-        <p:cNvGrpSpPr/>
-        <p:nvPr/>
-      </p:nvGrpSpPr>
-      <p:grpSpPr>
-        <a:xfrm>
-          <a:off x="0" y="0"/>
-          <a:ext cx="0" cy="0"/>
-          <a:chOff x="0" y="0"/>
-          <a:chExt cx="0" cy="0"/>
-        </a:xfrm>
-      </p:grpSpPr>
-      <p:sp>
-        <p:nvSpPr>
-          <p:cNvPr id="3" name="Content Placeholder 2"/>
-          <p:cNvSpPr>
-            <a:spLocks noGrp="1"/>
-          </p:cNvSpPr>
-          <p:nvPr>
-            <p:ph idx="1"/>
-          </p:nvPr>
-        </p:nvSpPr>
-        <p:spPr>
-          <a:xfrm>
-            <a:off x="890452" y="702219"/>
-            <a:ext cx="10515600" cy="4351338"/>
-          </a:xfrm>
-        </p:spPr>
-        <p:txBody>
-          <a:bodyPr/>
-          <a:lstStyle/>
-          <a:p>
-            <a:pPr marL="0" indent="0">
-              <a:buNone/>
-            </a:pPr>
-            <a:r>
-              <a:rPr lang="en-US" dirty="0"/>
-              <a:t>Setup Details</a:t>
-            </a:r>
-          </a:p>
-          <a:p>
-            <a:pPr marL="0" indent="0">
-              <a:buNone/>
-            </a:pPr>
-            <a:r>
-              <a:rPr lang="en-US" dirty="0">
-                <a:sym typeface="Wingdings" panose="05000000000000000000" pitchFamily="2" charset="2"/>
-              </a:rPr>
-              <a:t>Centos 7 VM ,running on Oracle </a:t>
-            </a:r>
-            <a:r>
-              <a:rPr lang="en-US" dirty="0" err="1">
-                <a:sym typeface="Wingdings" panose="05000000000000000000" pitchFamily="2" charset="2"/>
-              </a:rPr>
-              <a:t>virtualbox</a:t>
-            </a:r>
-            <a:r>
-              <a:rPr lang="en-US" dirty="0">
-                <a:sym typeface="Wingdings" panose="05000000000000000000" pitchFamily="2" charset="2"/>
-              </a:rPr>
-              <a:t> (same as the earlier one)</a:t>
-            </a:r>
-          </a:p>
-          <a:p>
-            <a:pPr marL="0" indent="0">
-              <a:buNone/>
-            </a:pPr>
-            <a:r>
-              <a:rPr lang="en-US" dirty="0">
-                <a:sym typeface="Wingdings" panose="05000000000000000000" pitchFamily="2" charset="2"/>
-              </a:rPr>
-              <a:t>Install </a:t>
-            </a:r>
-            <a:r>
-              <a:rPr lang="en-US" dirty="0" err="1">
-                <a:sym typeface="Wingdings" panose="05000000000000000000" pitchFamily="2" charset="2"/>
-              </a:rPr>
-              <a:t>docker</a:t>
-            </a:r>
-            <a:r>
-              <a:rPr lang="en-US" dirty="0">
-                <a:sym typeface="Wingdings" panose="05000000000000000000" pitchFamily="2" charset="2"/>
-              </a:rPr>
-              <a:t> and start </a:t>
-            </a:r>
-            <a:r>
-              <a:rPr lang="en-US" dirty="0" smtClean="0">
-                <a:sym typeface="Wingdings" panose="05000000000000000000" pitchFamily="2" charset="2"/>
-              </a:rPr>
-              <a:t>it</a:t>
-            </a:r>
-          </a:p>
-          <a:p>
-            <a:pPr marL="0" indent="0">
-              <a:buNone/>
-            </a:pPr>
-            <a:endParaRPr lang="en-US" dirty="0">
-              <a:sym typeface="Wingdings" panose="05000000000000000000" pitchFamily="2" charset="2"/>
-            </a:endParaRPr>
-          </a:p>
-          <a:p>
-            <a:pPr marL="0" indent="0">
-              <a:buNone/>
-            </a:pPr>
-            <a:r>
-              <a:rPr lang="en-US" sz="1600" dirty="0" smtClean="0">
-                <a:solidFill>
-                  <a:srgbClr val="00B0F0"/>
-                </a:solidFill>
-                <a:sym typeface="Wingdings" panose="05000000000000000000" pitchFamily="2" charset="2"/>
-              </a:rPr>
-              <a:t>yum install –y </a:t>
-            </a:r>
-            <a:r>
-              <a:rPr lang="en-US" sz="1600" dirty="0" err="1" smtClean="0">
-                <a:solidFill>
-                  <a:srgbClr val="00B0F0"/>
-                </a:solidFill>
-                <a:sym typeface="Wingdings" panose="05000000000000000000" pitchFamily="2" charset="2"/>
-              </a:rPr>
-              <a:t>docker</a:t>
-            </a:r>
-            <a:endParaRPr lang="en-US" sz="1600" dirty="0" smtClean="0">
-              <a:solidFill>
-                <a:srgbClr val="00B0F0"/>
-              </a:solidFill>
-              <a:sym typeface="Wingdings" panose="05000000000000000000" pitchFamily="2" charset="2"/>
-            </a:endParaRPr>
-          </a:p>
-          <a:p>
-            <a:pPr marL="0" indent="0">
-              <a:buNone/>
-            </a:pPr>
-            <a:r>
-              <a:rPr lang="en-US" sz="1600" dirty="0" err="1" smtClean="0">
-                <a:solidFill>
-                  <a:srgbClr val="00B0F0"/>
-                </a:solidFill>
-                <a:sym typeface="Wingdings" panose="05000000000000000000" pitchFamily="2" charset="2"/>
-              </a:rPr>
-              <a:t>systemctl</a:t>
-            </a:r>
-            <a:r>
-              <a:rPr lang="en-US" sz="1600" dirty="0" smtClean="0">
-                <a:solidFill>
-                  <a:srgbClr val="00B0F0"/>
-                </a:solidFill>
-                <a:sym typeface="Wingdings" panose="05000000000000000000" pitchFamily="2" charset="2"/>
-              </a:rPr>
-              <a:t> enable </a:t>
-            </a:r>
-            <a:r>
-              <a:rPr lang="en-US" sz="1600" dirty="0" err="1" smtClean="0">
-                <a:solidFill>
-                  <a:srgbClr val="00B0F0"/>
-                </a:solidFill>
-                <a:sym typeface="Wingdings" panose="05000000000000000000" pitchFamily="2" charset="2"/>
-              </a:rPr>
-              <a:t>docker</a:t>
-            </a:r>
-            <a:endParaRPr lang="en-US" sz="1600" dirty="0" smtClean="0">
-              <a:solidFill>
-                <a:srgbClr val="00B0F0"/>
-              </a:solidFill>
-              <a:sym typeface="Wingdings" panose="05000000000000000000" pitchFamily="2" charset="2"/>
-            </a:endParaRPr>
-          </a:p>
-          <a:p>
-            <a:pPr marL="0" indent="0">
-              <a:buNone/>
-            </a:pPr>
-            <a:r>
-              <a:rPr lang="en-US" sz="1600" dirty="0" err="1" smtClean="0">
-                <a:solidFill>
-                  <a:srgbClr val="00B0F0"/>
-                </a:solidFill>
-                <a:sym typeface="Wingdings" panose="05000000000000000000" pitchFamily="2" charset="2"/>
-              </a:rPr>
-              <a:t>systemctl</a:t>
-            </a:r>
-            <a:r>
-              <a:rPr lang="en-US" sz="1600" dirty="0" smtClean="0">
-                <a:solidFill>
-                  <a:srgbClr val="00B0F0"/>
-                </a:solidFill>
-                <a:sym typeface="Wingdings" panose="05000000000000000000" pitchFamily="2" charset="2"/>
-              </a:rPr>
-              <a:t> start </a:t>
-            </a:r>
-            <a:r>
-              <a:rPr lang="en-US" sz="1600" dirty="0" err="1" smtClean="0">
-                <a:solidFill>
-                  <a:srgbClr val="00B0F0"/>
-                </a:solidFill>
-                <a:sym typeface="Wingdings" panose="05000000000000000000" pitchFamily="2" charset="2"/>
-              </a:rPr>
-              <a:t>docker</a:t>
-            </a:r>
-            <a:endParaRPr lang="en-US" sz="1600" dirty="0">
-              <a:solidFill>
-                <a:srgbClr val="00B0F0"/>
-              </a:solidFill>
-              <a:sym typeface="Wingdings" panose="05000000000000000000" pitchFamily="2" charset="2"/>
-            </a:endParaRPr>
-          </a:p>
-        </p:txBody>
-      </p:sp>
-    </p:spTree>
-    <p:extLst>
-      <p:ext uri="{BB962C8B-B14F-4D97-AF65-F5344CB8AC3E}">
-        <p14:creationId xmlns:p14="http://schemas.microsoft.com/office/powerpoint/2010/main" val="3989784644"/>
-      </p:ext>
-    </p:extLst>
-  </p:cSld>
-  <p:clrMapOvr>
-    <a:masterClrMapping/>
-  </p:clrMapOvr>
 </p:sld>
 </file>
 
@@ -10401,8 +11014,8 @@
         </p:nvSpPr>
         <p:spPr>
           <a:xfrm>
-            <a:off x="788773" y="1269571"/>
-            <a:ext cx="10789508" cy="4351338"/>
+            <a:off x="890452" y="702219"/>
+            <a:ext cx="10515600" cy="4351338"/>
           </a:xfrm>
         </p:spPr>
         <p:txBody>
@@ -10414,161 +11027,180 @@
             </a:pPr>
             <a:r>
               <a:rPr lang="en-US" dirty="0"/>
-              <a:t>Create and Start database container as below </a:t>
-            </a:r>
-          </a:p>
-          <a:p>
-            <a:pPr marL="0" indent="0">
-              <a:buNone/>
-            </a:pPr>
-            <a:r>
-              <a:rPr lang="en-US" dirty="0"/>
-              <a:t> </a:t>
-            </a:r>
-            <a:r>
-              <a:rPr lang="en-US" dirty="0" err="1" smtClean="0">
-                <a:solidFill>
-                  <a:srgbClr val="00B0F0"/>
-                </a:solidFill>
+              <a:t>Setup Details</a:t>
+            </a:r>
+          </a:p>
+          <a:p>
+            <a:pPr marL="0" indent="0">
+              <a:buNone/>
+            </a:pPr>
+            <a:r>
+              <a:rPr lang="en-US" dirty="0">
+                <a:sym typeface="Wingdings" panose="05000000000000000000" pitchFamily="2" charset="2"/>
+              </a:rPr>
+              <a:t>Centos 7 VM ,running on Oracle </a:t>
+            </a:r>
+            <a:r>
+              <a:rPr lang="en-US" dirty="0" err="1">
+                <a:sym typeface="Wingdings" panose="05000000000000000000" pitchFamily="2" charset="2"/>
+              </a:rPr>
+              <a:t>virtualbox</a:t>
+            </a:r>
+            <a:r>
+              <a:rPr lang="en-US" dirty="0">
+                <a:sym typeface="Wingdings" panose="05000000000000000000" pitchFamily="2" charset="2"/>
+              </a:rPr>
+              <a:t> (same as the earlier one)</a:t>
+            </a:r>
+          </a:p>
+          <a:p>
+            <a:pPr marL="0" indent="0">
+              <a:buNone/>
+            </a:pPr>
+            <a:r>
+              <a:rPr lang="en-US" dirty="0">
+                <a:sym typeface="Wingdings" panose="05000000000000000000" pitchFamily="2" charset="2"/>
+              </a:rPr>
+              <a:t>Install </a:t>
+            </a:r>
+            <a:r>
+              <a:rPr lang="en-US" dirty="0" err="1">
+                <a:sym typeface="Wingdings" panose="05000000000000000000" pitchFamily="2" charset="2"/>
               </a:rPr>
               <a:t>docker</a:t>
             </a:r>
             <a:r>
-              <a:rPr lang="en-US" dirty="0" smtClean="0">
-                <a:solidFill>
-                  <a:srgbClr val="00B0F0"/>
-                </a:solidFill>
-              </a:rPr>
-              <a:t> </a:t>
-            </a:r>
-            <a:r>
               <a:rPr lang="en-US" dirty="0">
-                <a:solidFill>
-                  <a:srgbClr val="00B0F0"/>
-                </a:solidFill>
-              </a:rPr>
-              <a:t>run -</a:t>
-            </a:r>
-            <a:r>
-              <a:rPr lang="en-US" dirty="0" err="1">
-                <a:solidFill>
-                  <a:srgbClr val="00B0F0"/>
-                </a:solidFill>
-              </a:rPr>
-              <a:t>itd</a:t>
-            </a:r>
-            <a:r>
-              <a:rPr lang="en-US" dirty="0">
-                <a:solidFill>
-                  <a:srgbClr val="00B0F0"/>
-                </a:solidFill>
-              </a:rPr>
-              <a:t> --name  </a:t>
-            </a:r>
-            <a:r>
-              <a:rPr lang="en-US" dirty="0" err="1">
-                <a:solidFill>
-                  <a:srgbClr val="00B0F0"/>
-                </a:solidFill>
-              </a:rPr>
-              <a:t>db</a:t>
-            </a:r>
-            <a:r>
-              <a:rPr lang="en-US" dirty="0">
-                <a:solidFill>
-                  <a:srgbClr val="00B0F0"/>
-                </a:solidFill>
-              </a:rPr>
-              <a:t> -e MYSQL_ROOT_PASSWORD=password </a:t>
-            </a:r>
-            <a:r>
-              <a:rPr lang="en-US" dirty="0" err="1" smtClean="0">
-                <a:solidFill>
-                  <a:srgbClr val="00B0F0"/>
-                </a:solidFill>
-              </a:rPr>
-              <a:t>mysql</a:t>
-            </a:r>
-            <a:endParaRPr lang="en-US" dirty="0" smtClean="0">
+                <a:sym typeface="Wingdings" panose="05000000000000000000" pitchFamily="2" charset="2"/>
+              </a:rPr>
+              <a:t> and start </a:t>
+            </a:r>
+            <a:r>
+              <a:rPr lang="en-US" dirty="0" smtClean="0">
+                <a:sym typeface="Wingdings" panose="05000000000000000000" pitchFamily="2" charset="2"/>
+              </a:rPr>
+              <a:t>it</a:t>
+            </a:r>
+          </a:p>
+          <a:p>
+            <a:pPr marL="0" indent="0">
+              <a:buNone/>
+            </a:pPr>
+            <a:endParaRPr lang="en-US" dirty="0">
+              <a:sym typeface="Wingdings" panose="05000000000000000000" pitchFamily="2" charset="2"/>
+            </a:endParaRPr>
+          </a:p>
+          <a:p>
+            <a:pPr marL="0" indent="0">
+              <a:buNone/>
+            </a:pPr>
+            <a:r>
+              <a:rPr lang="en-US" sz="1600" dirty="0" smtClean="0">
+                <a:solidFill>
+                  <a:srgbClr val="00B0F0"/>
+                </a:solidFill>
+                <a:sym typeface="Wingdings" panose="05000000000000000000" pitchFamily="2" charset="2"/>
+              </a:rPr>
+              <a:t>yum install –y </a:t>
+            </a:r>
+            <a:r>
+              <a:rPr lang="en-US" sz="1600" dirty="0" err="1" smtClean="0">
+                <a:solidFill>
+                  <a:srgbClr val="00B0F0"/>
+                </a:solidFill>
+                <a:sym typeface="Wingdings" panose="05000000000000000000" pitchFamily="2" charset="2"/>
+              </a:rPr>
+              <a:t>docker</a:t>
+            </a:r>
+            <a:endParaRPr lang="en-US" sz="1600" dirty="0" smtClean="0">
               <a:solidFill>
                 <a:srgbClr val="00B0F0"/>
               </a:solidFill>
-            </a:endParaRPr>
-          </a:p>
-          <a:p>
-            <a:pPr marL="0" indent="0">
-              <a:buNone/>
-            </a:pPr>
-            <a:endParaRPr lang="en-US" dirty="0">
+              <a:sym typeface="Wingdings" panose="05000000000000000000" pitchFamily="2" charset="2"/>
+            </a:endParaRPr>
+          </a:p>
+          <a:p>
+            <a:pPr marL="0" indent="0">
+              <a:buNone/>
+            </a:pPr>
+            <a:r>
+              <a:rPr lang="en-US" sz="1600" dirty="0" err="1" smtClean="0">
+                <a:solidFill>
+                  <a:srgbClr val="00B0F0"/>
+                </a:solidFill>
+                <a:sym typeface="Wingdings" panose="05000000000000000000" pitchFamily="2" charset="2"/>
+              </a:rPr>
+              <a:t>systemctl</a:t>
+            </a:r>
+            <a:r>
+              <a:rPr lang="en-US" sz="1600" dirty="0" smtClean="0">
+                <a:solidFill>
+                  <a:srgbClr val="00B0F0"/>
+                </a:solidFill>
+                <a:sym typeface="Wingdings" panose="05000000000000000000" pitchFamily="2" charset="2"/>
+              </a:rPr>
+              <a:t> enable </a:t>
+            </a:r>
+            <a:r>
+              <a:rPr lang="en-US" sz="1600" dirty="0" err="1" smtClean="0">
+                <a:solidFill>
+                  <a:srgbClr val="00B0F0"/>
+                </a:solidFill>
+                <a:sym typeface="Wingdings" panose="05000000000000000000" pitchFamily="2" charset="2"/>
+              </a:rPr>
+              <a:t>docker</a:t>
+            </a:r>
+            <a:endParaRPr lang="en-US" sz="1600" dirty="0" smtClean="0">
               <a:solidFill>
                 <a:srgbClr val="00B0F0"/>
               </a:solidFill>
-            </a:endParaRPr>
-          </a:p>
-          <a:p>
-            <a:pPr marL="0" indent="0">
-              <a:buNone/>
-            </a:pPr>
-            <a:r>
-              <a:rPr lang="en-US" dirty="0" smtClean="0"/>
-              <a:t>Connect </a:t>
-            </a:r>
-            <a:r>
-              <a:rPr lang="en-US" dirty="0"/>
-              <a:t>to container </a:t>
-            </a:r>
-          </a:p>
-          <a:p>
-            <a:pPr marL="0" indent="0">
-              <a:buNone/>
-            </a:pPr>
-            <a:r>
-              <a:rPr lang="en-US" dirty="0" err="1" smtClean="0">
-                <a:solidFill>
-                  <a:srgbClr val="00B0F0"/>
-                </a:solidFill>
+              <a:sym typeface="Wingdings" panose="05000000000000000000" pitchFamily="2" charset="2"/>
+            </a:endParaRPr>
+          </a:p>
+          <a:p>
+            <a:pPr marL="0" indent="0">
+              <a:buNone/>
+            </a:pPr>
+            <a:r>
+              <a:rPr lang="en-US" sz="1600" dirty="0" err="1" smtClean="0">
+                <a:solidFill>
+                  <a:srgbClr val="00B0F0"/>
+                </a:solidFill>
+                <a:sym typeface="Wingdings" panose="05000000000000000000" pitchFamily="2" charset="2"/>
+              </a:rPr>
+              <a:t>systemctl</a:t>
+            </a:r>
+            <a:r>
+              <a:rPr lang="en-US" sz="1600" dirty="0" smtClean="0">
+                <a:solidFill>
+                  <a:srgbClr val="00B0F0"/>
+                </a:solidFill>
+                <a:sym typeface="Wingdings" panose="05000000000000000000" pitchFamily="2" charset="2"/>
+              </a:rPr>
+              <a:t> start </a:t>
+            </a:r>
+            <a:r>
+              <a:rPr lang="en-US" sz="1600" dirty="0" err="1" smtClean="0">
+                <a:solidFill>
+                  <a:srgbClr val="00B0F0"/>
+                </a:solidFill>
+                <a:sym typeface="Wingdings" panose="05000000000000000000" pitchFamily="2" charset="2"/>
               </a:rPr>
               <a:t>docker</a:t>
             </a:r>
-            <a:r>
-              <a:rPr lang="en-US" dirty="0" smtClean="0">
-                <a:solidFill>
-                  <a:srgbClr val="00B0F0"/>
-                </a:solidFill>
-              </a:rPr>
-              <a:t> </a:t>
-            </a:r>
-            <a:r>
-              <a:rPr lang="en-US" dirty="0">
-                <a:solidFill>
-                  <a:srgbClr val="00B0F0"/>
-                </a:solidFill>
-              </a:rPr>
-              <a:t>exec –it </a:t>
-            </a:r>
-            <a:r>
-              <a:rPr lang="en-US" dirty="0" err="1">
-                <a:solidFill>
-                  <a:srgbClr val="00B0F0"/>
-                </a:solidFill>
-              </a:rPr>
-              <a:t>db</a:t>
-            </a:r>
-            <a:r>
-              <a:rPr lang="en-US" dirty="0">
-                <a:solidFill>
-                  <a:srgbClr val="00B0F0"/>
-                </a:solidFill>
-              </a:rPr>
-              <a:t> bash</a:t>
-            </a:r>
+            <a:endParaRPr lang="en-US" sz="1600" dirty="0">
+              <a:solidFill>
+                <a:srgbClr val="00B0F0"/>
+              </a:solidFill>
+              <a:sym typeface="Wingdings" panose="05000000000000000000" pitchFamily="2" charset="2"/>
+            </a:endParaRPr>
           </a:p>
         </p:txBody>
       </p:sp>
     </p:spTree>
     <p:extLst>
       <p:ext uri="{BB962C8B-B14F-4D97-AF65-F5344CB8AC3E}">
-        <p14:creationId xmlns:p14="http://schemas.microsoft.com/office/powerpoint/2010/main" val="2900640541"/>
+        <p14:creationId xmlns:p14="http://schemas.microsoft.com/office/powerpoint/2010/main" val="3989784644"/>
       </p:ext>
     </p:extLst>
   </p:cSld>
@@ -10607,6 +11239,212 @@
         </p:nvSpPr>
         <p:spPr>
           <a:xfrm>
+            <a:off x="788773" y="1269571"/>
+            <a:ext cx="10789508" cy="4351338"/>
+          </a:xfrm>
+        </p:spPr>
+        <p:txBody>
+          <a:bodyPr/>
+          <a:lstStyle/>
+          <a:p>
+            <a:pPr marL="0" indent="0">
+              <a:buNone/>
+            </a:pPr>
+            <a:r>
+              <a:rPr lang="en-US" dirty="0"/>
+              <a:t>Create and Start database container as below </a:t>
+            </a:r>
+          </a:p>
+          <a:p>
+            <a:pPr marL="0" indent="0">
+              <a:buNone/>
+            </a:pPr>
+            <a:r>
+              <a:rPr lang="en-US" dirty="0"/>
+              <a:t> </a:t>
+            </a:r>
+            <a:r>
+              <a:rPr lang="en-US" dirty="0" err="1" smtClean="0">
+                <a:solidFill>
+                  <a:srgbClr val="00B0F0"/>
+                </a:solidFill>
+              </a:rPr>
+              <a:t>docker</a:t>
+            </a:r>
+            <a:r>
+              <a:rPr lang="en-US" dirty="0" smtClean="0">
+                <a:solidFill>
+                  <a:srgbClr val="00B0F0"/>
+                </a:solidFill>
+              </a:rPr>
+              <a:t> </a:t>
+            </a:r>
+            <a:r>
+              <a:rPr lang="en-US" dirty="0">
+                <a:solidFill>
+                  <a:srgbClr val="00B0F0"/>
+                </a:solidFill>
+              </a:rPr>
+              <a:t>run -</a:t>
+            </a:r>
+            <a:r>
+              <a:rPr lang="en-US" dirty="0" err="1">
+                <a:solidFill>
+                  <a:srgbClr val="00B0F0"/>
+                </a:solidFill>
+              </a:rPr>
+              <a:t>itd</a:t>
+            </a:r>
+            <a:r>
+              <a:rPr lang="en-US" dirty="0">
+                <a:solidFill>
+                  <a:srgbClr val="00B0F0"/>
+                </a:solidFill>
+              </a:rPr>
+              <a:t> --name  </a:t>
+            </a:r>
+            <a:r>
+              <a:rPr lang="en-US" dirty="0" err="1">
+                <a:solidFill>
+                  <a:srgbClr val="00B0F0"/>
+                </a:solidFill>
+              </a:rPr>
+              <a:t>db</a:t>
+            </a:r>
+            <a:r>
+              <a:rPr lang="en-US" dirty="0">
+                <a:solidFill>
+                  <a:srgbClr val="00B0F0"/>
+                </a:solidFill>
+              </a:rPr>
+              <a:t> -e MYSQL_ROOT_PASSWORD=password </a:t>
+            </a:r>
+            <a:r>
+              <a:rPr lang="en-US" dirty="0" err="1" smtClean="0">
+                <a:solidFill>
+                  <a:srgbClr val="00B0F0"/>
+                </a:solidFill>
+              </a:rPr>
+              <a:t>mysql</a:t>
+            </a:r>
+            <a:endParaRPr lang="en-US" dirty="0" smtClean="0">
+              <a:solidFill>
+                <a:srgbClr val="00B0F0"/>
+              </a:solidFill>
+            </a:endParaRPr>
+          </a:p>
+          <a:p>
+            <a:pPr marL="0" indent="0">
+              <a:buNone/>
+            </a:pPr>
+            <a:endParaRPr lang="en-US" dirty="0">
+              <a:solidFill>
+                <a:srgbClr val="00B0F0"/>
+              </a:solidFill>
+            </a:endParaRPr>
+          </a:p>
+          <a:p>
+            <a:pPr marL="0" indent="0">
+              <a:buNone/>
+            </a:pPr>
+            <a:r>
+              <a:rPr lang="en-US" dirty="0" smtClean="0"/>
+              <a:t>Connect </a:t>
+            </a:r>
+            <a:r>
+              <a:rPr lang="en-US" dirty="0"/>
+              <a:t>to container </a:t>
+            </a:r>
+          </a:p>
+          <a:p>
+            <a:pPr marL="0" indent="0">
+              <a:buNone/>
+            </a:pPr>
+            <a:r>
+              <a:rPr lang="en-US" dirty="0" err="1" smtClean="0">
+                <a:solidFill>
+                  <a:srgbClr val="00B0F0"/>
+                </a:solidFill>
+              </a:rPr>
+              <a:t>docker</a:t>
+            </a:r>
+            <a:r>
+              <a:rPr lang="en-US" dirty="0" smtClean="0">
+                <a:solidFill>
+                  <a:srgbClr val="00B0F0"/>
+                </a:solidFill>
+              </a:rPr>
+              <a:t> </a:t>
+            </a:r>
+            <a:r>
+              <a:rPr lang="en-US" dirty="0">
+                <a:solidFill>
+                  <a:srgbClr val="00B0F0"/>
+                </a:solidFill>
+              </a:rPr>
+              <a:t>exec –it </a:t>
+            </a:r>
+            <a:r>
+              <a:rPr lang="en-US" dirty="0" err="1">
+                <a:solidFill>
+                  <a:srgbClr val="00B0F0"/>
+                </a:solidFill>
+              </a:rPr>
+              <a:t>db</a:t>
+            </a:r>
+            <a:r>
+              <a:rPr lang="en-US" dirty="0">
+                <a:solidFill>
+                  <a:srgbClr val="00B0F0"/>
+                </a:solidFill>
+              </a:rPr>
+              <a:t> bash</a:t>
+            </a:r>
+          </a:p>
+        </p:txBody>
+      </p:sp>
+    </p:spTree>
+    <p:extLst>
+      <p:ext uri="{BB962C8B-B14F-4D97-AF65-F5344CB8AC3E}">
+        <p14:creationId xmlns:p14="http://schemas.microsoft.com/office/powerpoint/2010/main" val="2900640541"/>
+      </p:ext>
+    </p:extLst>
+  </p:cSld>
+  <p:clrMapOvr>
+    <a:masterClrMapping/>
+  </p:clrMapOvr>
+</p:sld>
+</file>
+
+<file path=ppt/slides/slide22.xml><?xml version="1.0" encoding="utf-8"?>
+<p:sld xmlns:a="http://schemas.openxmlformats.org/drawingml/2006/main" xmlns:r="http://schemas.openxmlformats.org/officeDocument/2006/relationships" xmlns:p="http://schemas.openxmlformats.org/presentationml/2006/main">
+  <p:cSld>
+    <p:spTree>
+      <p:nvGrpSpPr>
+        <p:cNvPr id="1" name=""/>
+        <p:cNvGrpSpPr/>
+        <p:nvPr/>
+      </p:nvGrpSpPr>
+      <p:grpSpPr>
+        <a:xfrm>
+          <a:off x="0" y="0"/>
+          <a:ext cx="0" cy="0"/>
+          <a:chOff x="0" y="0"/>
+          <a:chExt cx="0" cy="0"/>
+        </a:xfrm>
+      </p:grpSpPr>
+      <p:sp>
+        <p:nvSpPr>
+          <p:cNvPr id="3" name="Content Placeholder 2"/>
+          <p:cNvSpPr>
+            <a:spLocks noGrp="1"/>
+          </p:cNvSpPr>
+          <p:nvPr>
+            <p:ph idx="1"/>
+          </p:nvPr>
+        </p:nvSpPr>
+        <p:spPr>
+          <a:xfrm>
             <a:off x="838200" y="135924"/>
             <a:ext cx="11172568" cy="6722076"/>
           </a:xfrm>
@@ -11022,7 +11860,7 @@
 </p:sld>
 </file>
 
-<file path=ppt/slides/slide22.xml><?xml version="1.0" encoding="utf-8"?>
+<file path=ppt/slides/slide23.xml><?xml version="1.0" encoding="utf-8"?>
 <p:sld xmlns:a="http://schemas.openxmlformats.org/drawingml/2006/main" xmlns:r="http://schemas.openxmlformats.org/officeDocument/2006/relationships" xmlns:p="http://schemas.openxmlformats.org/presentationml/2006/main">
   <p:cSld>
     <p:spTree>
@@ -11820,7 +12658,7 @@
 </p:sld>
 </file>
 
-<file path=ppt/slides/slide23.xml><?xml version="1.0" encoding="utf-8"?>
+<file path=ppt/slides/slide24.xml><?xml version="1.0" encoding="utf-8"?>
 <p:sld xmlns:a="http://schemas.openxmlformats.org/drawingml/2006/main" xmlns:r="http://schemas.openxmlformats.org/officeDocument/2006/relationships" xmlns:p="http://schemas.openxmlformats.org/presentationml/2006/main">
   <p:cSld>
     <p:spTree>
@@ -12213,7 +13051,7 @@
 </p:sld>
 </file>
 
-<file path=ppt/slides/slide24.xml><?xml version="1.0" encoding="utf-8"?>
+<file path=ppt/slides/slide25.xml><?xml version="1.0" encoding="utf-8"?>
 <p:sld xmlns:a="http://schemas.openxmlformats.org/drawingml/2006/main" xmlns:r="http://schemas.openxmlformats.org/officeDocument/2006/relationships" xmlns:p="http://schemas.openxmlformats.org/presentationml/2006/main">
   <p:cSld>
     <p:spTree>
@@ -12979,7 +13817,7 @@
 </p:sld>
 </file>
 
-<file path=ppt/slides/slide25.xml><?xml version="1.0" encoding="utf-8"?>
+<file path=ppt/slides/slide26.xml><?xml version="1.0" encoding="utf-8"?>
 <p:sld xmlns:a="http://schemas.openxmlformats.org/drawingml/2006/main" xmlns:r="http://schemas.openxmlformats.org/officeDocument/2006/relationships" xmlns:p="http://schemas.openxmlformats.org/presentationml/2006/main">
   <p:cSld>
     <p:spTree>
@@ -13481,7 +14319,7 @@
 </p:sld>
 </file>
 
-<file path=ppt/slides/slide26.xml><?xml version="1.0" encoding="utf-8"?>
+<file path=ppt/slides/slide27.xml><?xml version="1.0" encoding="utf-8"?>
 <p:sld xmlns:a="http://schemas.openxmlformats.org/drawingml/2006/main" xmlns:r="http://schemas.openxmlformats.org/officeDocument/2006/relationships" xmlns:p="http://schemas.openxmlformats.org/presentationml/2006/main">
   <p:cSld>
     <p:spTree>
@@ -13762,7 +14600,7 @@
 </p:sld>
 </file>
 
-<file path=ppt/slides/slide27.xml><?xml version="1.0" encoding="utf-8"?>
+<file path=ppt/slides/slide28.xml><?xml version="1.0" encoding="utf-8"?>
 <p:sld xmlns:a="http://schemas.openxmlformats.org/drawingml/2006/main" xmlns:r="http://schemas.openxmlformats.org/officeDocument/2006/relationships" xmlns:p="http://schemas.openxmlformats.org/presentationml/2006/main">
   <p:cSld>
     <p:spTree>
@@ -14468,7 +15306,7 @@
 </p:sld>
 </file>
 
-<file path=ppt/slides/slide28.xml><?xml version="1.0" encoding="utf-8"?>
+<file path=ppt/slides/slide29.xml><?xml version="1.0" encoding="utf-8"?>
 <p:sld xmlns:a="http://schemas.openxmlformats.org/drawingml/2006/main" xmlns:r="http://schemas.openxmlformats.org/officeDocument/2006/relationships" xmlns:p="http://schemas.openxmlformats.org/presentationml/2006/main">
   <p:cSld>
     <p:spTree>
@@ -14924,497 +15762,6 @@
     <p:extLst>
       <p:ext uri="{BB962C8B-B14F-4D97-AF65-F5344CB8AC3E}">
         <p14:creationId xmlns:p14="http://schemas.microsoft.com/office/powerpoint/2010/main" val="2015365332"/>
-      </p:ext>
-    </p:extLst>
-  </p:cSld>
-  <p:clrMapOvr>
-    <a:masterClrMapping/>
-  </p:clrMapOvr>
-  <p:timing>
-    <p:tnLst>
-      <p:par>
-        <p:cTn id="1" dur="indefinite" restart="never" nodeType="tmRoot"/>
-      </p:par>
-    </p:tnLst>
-  </p:timing>
-</p:sld>
-</file>
-
-<file path=ppt/slides/slide29.xml><?xml version="1.0" encoding="utf-8"?>
-<p:sld xmlns:a="http://schemas.openxmlformats.org/drawingml/2006/main" xmlns:r="http://schemas.openxmlformats.org/officeDocument/2006/relationships" xmlns:p="http://schemas.openxmlformats.org/presentationml/2006/main">
-  <p:cSld>
-    <p:spTree>
-      <p:nvGrpSpPr>
-        <p:cNvPr id="1" name=""/>
-        <p:cNvGrpSpPr/>
-        <p:nvPr/>
-      </p:nvGrpSpPr>
-      <p:grpSpPr>
-        <a:xfrm>
-          <a:off x="0" y="0"/>
-          <a:ext cx="0" cy="0"/>
-          <a:chOff x="0" y="0"/>
-          <a:chExt cx="0" cy="0"/>
-        </a:xfrm>
-      </p:grpSpPr>
-      <p:sp>
-        <p:nvSpPr>
-          <p:cNvPr id="3" name="Content Placeholder 2"/>
-          <p:cNvSpPr>
-            <a:spLocks noGrp="1"/>
-          </p:cNvSpPr>
-          <p:nvPr>
-            <p:ph idx="1"/>
-          </p:nvPr>
-        </p:nvSpPr>
-        <p:spPr>
-          <a:xfrm>
-            <a:off x="838199" y="0"/>
-            <a:ext cx="11061358" cy="6858000"/>
-          </a:xfrm>
-        </p:spPr>
-        <p:txBody>
-          <a:bodyPr>
-            <a:normAutofit fontScale="55000" lnSpcReduction="20000"/>
-          </a:bodyPr>
-          <a:lstStyle/>
-          <a:p>
-            <a:pPr marL="0" indent="0">
-              <a:buNone/>
-            </a:pPr>
-            <a:r>
-              <a:rPr lang="en-US" dirty="0" smtClean="0"/>
-              <a:t>Connect to the </a:t>
-            </a:r>
-            <a:r>
-              <a:rPr lang="en-US" dirty="0" err="1" smtClean="0"/>
-              <a:t>mysql</a:t>
-            </a:r>
-            <a:r>
-              <a:rPr lang="en-US" dirty="0" smtClean="0"/>
-              <a:t> pod as below after by identifying it</a:t>
-            </a:r>
-          </a:p>
-          <a:p>
-            <a:pPr marL="0" indent="0">
-              <a:buNone/>
-            </a:pPr>
-            <a:r>
-              <a:rPr lang="en-US" dirty="0" err="1">
-                <a:solidFill>
-                  <a:srgbClr val="00B0F0"/>
-                </a:solidFill>
-                <a:sym typeface="Wingdings" panose="05000000000000000000" pitchFamily="2" charset="2"/>
-              </a:rPr>
-              <a:t>oc</a:t>
-            </a:r>
-            <a:r>
-              <a:rPr lang="en-US" dirty="0">
-                <a:solidFill>
-                  <a:srgbClr val="00B0F0"/>
-                </a:solidFill>
-                <a:sym typeface="Wingdings" panose="05000000000000000000" pitchFamily="2" charset="2"/>
-              </a:rPr>
-              <a:t> get pods</a:t>
-            </a:r>
-          </a:p>
-          <a:p>
-            <a:pPr marL="0" indent="0">
-              <a:buNone/>
-            </a:pPr>
-            <a:r>
-              <a:rPr lang="en-US" dirty="0" smtClean="0">
-                <a:solidFill>
-                  <a:srgbClr val="00B0F0"/>
-                </a:solidFill>
-              </a:rPr>
-              <a:t> </a:t>
-            </a:r>
-            <a:r>
-              <a:rPr lang="en-US" dirty="0" err="1" smtClean="0">
-                <a:solidFill>
-                  <a:srgbClr val="00B0F0"/>
-                </a:solidFill>
-              </a:rPr>
-              <a:t>oc</a:t>
-            </a:r>
-            <a:r>
-              <a:rPr lang="en-US" dirty="0" smtClean="0">
-                <a:solidFill>
-                  <a:srgbClr val="00B0F0"/>
-                </a:solidFill>
-              </a:rPr>
-              <a:t> </a:t>
-            </a:r>
-            <a:r>
-              <a:rPr lang="en-US" dirty="0" err="1" smtClean="0">
-                <a:solidFill>
-                  <a:srgbClr val="00B0F0"/>
-                </a:solidFill>
-              </a:rPr>
-              <a:t>rsh</a:t>
-            </a:r>
-            <a:r>
-              <a:rPr lang="en-US" dirty="0" smtClean="0">
-                <a:solidFill>
-                  <a:srgbClr val="00B0F0"/>
-                </a:solidFill>
-              </a:rPr>
-              <a:t>  </a:t>
-            </a:r>
-            <a:r>
-              <a:rPr lang="en-US" dirty="0" err="1" smtClean="0">
-                <a:solidFill>
-                  <a:srgbClr val="00B0F0"/>
-                </a:solidFill>
-              </a:rPr>
-              <a:t>mysql</a:t>
-            </a:r>
-            <a:r>
-              <a:rPr lang="en-US" dirty="0" smtClean="0">
-                <a:solidFill>
-                  <a:srgbClr val="00B0F0"/>
-                </a:solidFill>
-              </a:rPr>
-              <a:t>-***</a:t>
-            </a:r>
-          </a:p>
-          <a:p>
-            <a:pPr marL="0" indent="0">
-              <a:buNone/>
-            </a:pPr>
-            <a:endParaRPr lang="en-US" dirty="0" smtClean="0"/>
-          </a:p>
-          <a:p>
-            <a:pPr marL="0" indent="0">
-              <a:buNone/>
-            </a:pPr>
-            <a:r>
-              <a:rPr lang="en-US" dirty="0" smtClean="0"/>
-              <a:t>Connect </a:t>
-            </a:r>
-            <a:r>
-              <a:rPr lang="en-US" dirty="0"/>
-              <a:t>to database and upload data as below</a:t>
-            </a:r>
-          </a:p>
-          <a:p>
-            <a:pPr marL="0" indent="0">
-              <a:buNone/>
-            </a:pPr>
-            <a:r>
-              <a:rPr lang="en-US" dirty="0" err="1">
-                <a:solidFill>
-                  <a:srgbClr val="00B0F0"/>
-                </a:solidFill>
-                <a:sym typeface="Wingdings" panose="05000000000000000000" pitchFamily="2" charset="2"/>
-              </a:rPr>
-              <a:t>mysql</a:t>
-            </a:r>
-            <a:r>
-              <a:rPr lang="en-US" dirty="0">
-                <a:solidFill>
-                  <a:srgbClr val="00B0F0"/>
-                </a:solidFill>
-                <a:sym typeface="Wingdings" panose="05000000000000000000" pitchFamily="2" charset="2"/>
-              </a:rPr>
-              <a:t> -u root –p</a:t>
-            </a:r>
-          </a:p>
-          <a:p>
-            <a:pPr marL="0" indent="0">
-              <a:buNone/>
-            </a:pPr>
-            <a:r>
-              <a:rPr lang="en-US" dirty="0">
-                <a:solidFill>
-                  <a:srgbClr val="00B0F0"/>
-                </a:solidFill>
-              </a:rPr>
-              <a:t>CREATE DATABASE </a:t>
-            </a:r>
-            <a:r>
-              <a:rPr lang="en-US" dirty="0" err="1">
-                <a:solidFill>
-                  <a:srgbClr val="00B0F0"/>
-                </a:solidFill>
-              </a:rPr>
-              <a:t>tel_dir</a:t>
-            </a:r>
-            <a:r>
-              <a:rPr lang="en-US" dirty="0">
-                <a:solidFill>
-                  <a:srgbClr val="00B0F0"/>
-                </a:solidFill>
-              </a:rPr>
-              <a:t>;</a:t>
-            </a:r>
-          </a:p>
-          <a:p>
-            <a:pPr marL="0" indent="0">
-              <a:buNone/>
-            </a:pPr>
-            <a:r>
-              <a:rPr lang="en-US" dirty="0">
-                <a:solidFill>
-                  <a:srgbClr val="00B0F0"/>
-                </a:solidFill>
-              </a:rPr>
-              <a:t> use </a:t>
-            </a:r>
-            <a:r>
-              <a:rPr lang="en-US" dirty="0" err="1">
-                <a:solidFill>
-                  <a:srgbClr val="00B0F0"/>
-                </a:solidFill>
-              </a:rPr>
-              <a:t>tel_dir</a:t>
-            </a:r>
-            <a:r>
-              <a:rPr lang="en-US" dirty="0">
-                <a:solidFill>
-                  <a:srgbClr val="00B0F0"/>
-                </a:solidFill>
-              </a:rPr>
-              <a:t>;</a:t>
-            </a:r>
-          </a:p>
-          <a:p>
-            <a:pPr marL="0" indent="0">
-              <a:buNone/>
-            </a:pPr>
-            <a:r>
-              <a:rPr lang="en-US" dirty="0">
-                <a:solidFill>
-                  <a:srgbClr val="00B0F0"/>
-                </a:solidFill>
-              </a:rPr>
-              <a:t>CREATE TABLE details( id INT NOT NULL AUTO_INCREMENT,</a:t>
-            </a:r>
-          </a:p>
-          <a:p>
-            <a:pPr marL="0" indent="0">
-              <a:buNone/>
-            </a:pPr>
-            <a:r>
-              <a:rPr lang="en-US" dirty="0">
-                <a:solidFill>
-                  <a:srgbClr val="00B0F0"/>
-                </a:solidFill>
-              </a:rPr>
-              <a:t> name VARCHAR(100) NOT NULL,</a:t>
-            </a:r>
-          </a:p>
-          <a:p>
-            <a:pPr marL="0" indent="0">
-              <a:buNone/>
-            </a:pPr>
-            <a:r>
-              <a:rPr lang="en-US" dirty="0">
-                <a:solidFill>
-                  <a:srgbClr val="00B0F0"/>
-                </a:solidFill>
-              </a:rPr>
-              <a:t> country VARCHAR(40) NOT NULL,</a:t>
-            </a:r>
-          </a:p>
-          <a:p>
-            <a:pPr marL="0" indent="0">
-              <a:buNone/>
-            </a:pPr>
-            <a:r>
-              <a:rPr lang="en-US" dirty="0">
-                <a:solidFill>
-                  <a:srgbClr val="00B0F0"/>
-                </a:solidFill>
-              </a:rPr>
-              <a:t> phone INT NOT NULL,</a:t>
-            </a:r>
-          </a:p>
-          <a:p>
-            <a:pPr marL="0" indent="0">
-              <a:buNone/>
-            </a:pPr>
-            <a:r>
-              <a:rPr lang="en-US" dirty="0">
-                <a:solidFill>
-                  <a:srgbClr val="00B0F0"/>
-                </a:solidFill>
-              </a:rPr>
-              <a:t> PRIMARY KEY(id));</a:t>
-            </a:r>
-          </a:p>
-          <a:p>
-            <a:pPr marL="0" indent="0">
-              <a:buNone/>
-            </a:pPr>
-            <a:r>
-              <a:rPr lang="en-US" dirty="0">
-                <a:solidFill>
-                  <a:srgbClr val="00B0F0"/>
-                </a:solidFill>
-              </a:rPr>
-              <a:t>use </a:t>
-            </a:r>
-            <a:r>
-              <a:rPr lang="en-US" dirty="0" err="1">
-                <a:solidFill>
-                  <a:srgbClr val="00B0F0"/>
-                </a:solidFill>
-              </a:rPr>
-              <a:t>tel_dir</a:t>
-            </a:r>
-            <a:r>
-              <a:rPr lang="en-US" dirty="0">
-                <a:solidFill>
-                  <a:srgbClr val="00B0F0"/>
-                </a:solidFill>
-              </a:rPr>
-              <a:t>;</a:t>
-            </a:r>
-          </a:p>
-          <a:p>
-            <a:pPr marL="0" indent="0">
-              <a:buNone/>
-            </a:pPr>
-            <a:r>
-              <a:rPr lang="en-US" dirty="0">
-                <a:solidFill>
-                  <a:srgbClr val="00B0F0"/>
-                </a:solidFill>
-              </a:rPr>
-              <a:t>INSERT INTO details</a:t>
-            </a:r>
-          </a:p>
-          <a:p>
-            <a:pPr marL="0" indent="0">
-              <a:buNone/>
-            </a:pPr>
-            <a:r>
-              <a:rPr lang="en-US" dirty="0">
-                <a:solidFill>
-                  <a:srgbClr val="00B0F0"/>
-                </a:solidFill>
-              </a:rPr>
-              <a:t>(</a:t>
-            </a:r>
-            <a:r>
-              <a:rPr lang="en-US" dirty="0" err="1">
-                <a:solidFill>
-                  <a:srgbClr val="00B0F0"/>
-                </a:solidFill>
-              </a:rPr>
-              <a:t>id,name,country,phone</a:t>
-            </a:r>
-            <a:r>
-              <a:rPr lang="en-US" dirty="0">
-                <a:solidFill>
-                  <a:srgbClr val="00B0F0"/>
-                </a:solidFill>
-              </a:rPr>
-              <a:t>)</a:t>
-            </a:r>
-          </a:p>
-          <a:p>
-            <a:pPr marL="0" indent="0">
-              <a:buNone/>
-            </a:pPr>
-            <a:r>
-              <a:rPr lang="en-US" dirty="0">
-                <a:solidFill>
-                  <a:srgbClr val="00B0F0"/>
-                </a:solidFill>
-              </a:rPr>
-              <a:t>VALUES</a:t>
-            </a:r>
-          </a:p>
-          <a:p>
-            <a:pPr marL="0" indent="0">
-              <a:buNone/>
-            </a:pPr>
-            <a:r>
-              <a:rPr lang="en-US" dirty="0">
-                <a:solidFill>
-                  <a:srgbClr val="00B0F0"/>
-                </a:solidFill>
-              </a:rPr>
-              <a:t>(1,"kiran","india",12345);</a:t>
-            </a:r>
-          </a:p>
-          <a:p>
-            <a:pPr marL="0" indent="0">
-              <a:buNone/>
-            </a:pPr>
-            <a:r>
-              <a:rPr lang="en-US" dirty="0">
-                <a:solidFill>
-                  <a:srgbClr val="00B0F0"/>
-                </a:solidFill>
-              </a:rPr>
-              <a:t>INSERT INTO details</a:t>
-            </a:r>
-          </a:p>
-          <a:p>
-            <a:pPr marL="0" indent="0">
-              <a:buNone/>
-            </a:pPr>
-            <a:r>
-              <a:rPr lang="en-US" dirty="0">
-                <a:solidFill>
-                  <a:srgbClr val="00B0F0"/>
-                </a:solidFill>
-              </a:rPr>
-              <a:t>(</a:t>
-            </a:r>
-            <a:r>
-              <a:rPr lang="en-US" dirty="0" err="1">
-                <a:solidFill>
-                  <a:srgbClr val="00B0F0"/>
-                </a:solidFill>
-              </a:rPr>
-              <a:t>name,country,phone</a:t>
-            </a:r>
-            <a:r>
-              <a:rPr lang="en-US" dirty="0">
-                <a:solidFill>
-                  <a:srgbClr val="00B0F0"/>
-                </a:solidFill>
-              </a:rPr>
-              <a:t>)</a:t>
-            </a:r>
-          </a:p>
-          <a:p>
-            <a:pPr marL="0" indent="0">
-              <a:buNone/>
-            </a:pPr>
-            <a:r>
-              <a:rPr lang="en-US" dirty="0">
-                <a:solidFill>
-                  <a:srgbClr val="00B0F0"/>
-                </a:solidFill>
-              </a:rPr>
-              <a:t>VALUES</a:t>
-            </a:r>
-          </a:p>
-          <a:p>
-            <a:pPr marL="0" indent="0">
-              <a:buNone/>
-            </a:pPr>
-            <a:r>
-              <a:rPr lang="en-US" dirty="0">
-                <a:solidFill>
-                  <a:srgbClr val="00B0F0"/>
-                </a:solidFill>
-              </a:rPr>
-              <a:t>("bart","belgium",34567);</a:t>
-            </a:r>
-          </a:p>
-        </p:txBody>
-      </p:sp>
-    </p:spTree>
-    <p:extLst>
-      <p:ext uri="{BB962C8B-B14F-4D97-AF65-F5344CB8AC3E}">
-        <p14:creationId xmlns:p14="http://schemas.microsoft.com/office/powerpoint/2010/main" val="4058217541"/>
       </p:ext>
     </p:extLst>
   </p:cSld>
@@ -15617,6 +15964,497 @@
       </p:grpSpPr>
       <p:sp>
         <p:nvSpPr>
+          <p:cNvPr id="3" name="Content Placeholder 2"/>
+          <p:cNvSpPr>
+            <a:spLocks noGrp="1"/>
+          </p:cNvSpPr>
+          <p:nvPr>
+            <p:ph idx="1"/>
+          </p:nvPr>
+        </p:nvSpPr>
+        <p:spPr>
+          <a:xfrm>
+            <a:off x="838199" y="0"/>
+            <a:ext cx="11061358" cy="6858000"/>
+          </a:xfrm>
+        </p:spPr>
+        <p:txBody>
+          <a:bodyPr>
+            <a:normAutofit fontScale="55000" lnSpcReduction="20000"/>
+          </a:bodyPr>
+          <a:lstStyle/>
+          <a:p>
+            <a:pPr marL="0" indent="0">
+              <a:buNone/>
+            </a:pPr>
+            <a:r>
+              <a:rPr lang="en-US" dirty="0" smtClean="0"/>
+              <a:t>Connect to the </a:t>
+            </a:r>
+            <a:r>
+              <a:rPr lang="en-US" dirty="0" err="1" smtClean="0"/>
+              <a:t>mysql</a:t>
+            </a:r>
+            <a:r>
+              <a:rPr lang="en-US" dirty="0" smtClean="0"/>
+              <a:t> pod as below after by identifying it</a:t>
+            </a:r>
+          </a:p>
+          <a:p>
+            <a:pPr marL="0" indent="0">
+              <a:buNone/>
+            </a:pPr>
+            <a:r>
+              <a:rPr lang="en-US" dirty="0" err="1">
+                <a:solidFill>
+                  <a:srgbClr val="00B0F0"/>
+                </a:solidFill>
+                <a:sym typeface="Wingdings" panose="05000000000000000000" pitchFamily="2" charset="2"/>
+              </a:rPr>
+              <a:t>oc</a:t>
+            </a:r>
+            <a:r>
+              <a:rPr lang="en-US" dirty="0">
+                <a:solidFill>
+                  <a:srgbClr val="00B0F0"/>
+                </a:solidFill>
+                <a:sym typeface="Wingdings" panose="05000000000000000000" pitchFamily="2" charset="2"/>
+              </a:rPr>
+              <a:t> get pods</a:t>
+            </a:r>
+          </a:p>
+          <a:p>
+            <a:pPr marL="0" indent="0">
+              <a:buNone/>
+            </a:pPr>
+            <a:r>
+              <a:rPr lang="en-US" dirty="0" smtClean="0">
+                <a:solidFill>
+                  <a:srgbClr val="00B0F0"/>
+                </a:solidFill>
+              </a:rPr>
+              <a:t> </a:t>
+            </a:r>
+            <a:r>
+              <a:rPr lang="en-US" dirty="0" err="1" smtClean="0">
+                <a:solidFill>
+                  <a:srgbClr val="00B0F0"/>
+                </a:solidFill>
+              </a:rPr>
+              <a:t>oc</a:t>
+            </a:r>
+            <a:r>
+              <a:rPr lang="en-US" dirty="0" smtClean="0">
+                <a:solidFill>
+                  <a:srgbClr val="00B0F0"/>
+                </a:solidFill>
+              </a:rPr>
+              <a:t> </a:t>
+            </a:r>
+            <a:r>
+              <a:rPr lang="en-US" dirty="0" err="1" smtClean="0">
+                <a:solidFill>
+                  <a:srgbClr val="00B0F0"/>
+                </a:solidFill>
+              </a:rPr>
+              <a:t>rsh</a:t>
+            </a:r>
+            <a:r>
+              <a:rPr lang="en-US" dirty="0" smtClean="0">
+                <a:solidFill>
+                  <a:srgbClr val="00B0F0"/>
+                </a:solidFill>
+              </a:rPr>
+              <a:t>  </a:t>
+            </a:r>
+            <a:r>
+              <a:rPr lang="en-US" dirty="0" err="1" smtClean="0">
+                <a:solidFill>
+                  <a:srgbClr val="00B0F0"/>
+                </a:solidFill>
+              </a:rPr>
+              <a:t>mysql</a:t>
+            </a:r>
+            <a:r>
+              <a:rPr lang="en-US" dirty="0" smtClean="0">
+                <a:solidFill>
+                  <a:srgbClr val="00B0F0"/>
+                </a:solidFill>
+              </a:rPr>
+              <a:t>-***</a:t>
+            </a:r>
+          </a:p>
+          <a:p>
+            <a:pPr marL="0" indent="0">
+              <a:buNone/>
+            </a:pPr>
+            <a:endParaRPr lang="en-US" dirty="0" smtClean="0"/>
+          </a:p>
+          <a:p>
+            <a:pPr marL="0" indent="0">
+              <a:buNone/>
+            </a:pPr>
+            <a:r>
+              <a:rPr lang="en-US" dirty="0" smtClean="0"/>
+              <a:t>Connect </a:t>
+            </a:r>
+            <a:r>
+              <a:rPr lang="en-US" dirty="0"/>
+              <a:t>to database and upload data as below</a:t>
+            </a:r>
+          </a:p>
+          <a:p>
+            <a:pPr marL="0" indent="0">
+              <a:buNone/>
+            </a:pPr>
+            <a:r>
+              <a:rPr lang="en-US" dirty="0" err="1">
+                <a:solidFill>
+                  <a:srgbClr val="00B0F0"/>
+                </a:solidFill>
+                <a:sym typeface="Wingdings" panose="05000000000000000000" pitchFamily="2" charset="2"/>
+              </a:rPr>
+              <a:t>mysql</a:t>
+            </a:r>
+            <a:r>
+              <a:rPr lang="en-US" dirty="0">
+                <a:solidFill>
+                  <a:srgbClr val="00B0F0"/>
+                </a:solidFill>
+                <a:sym typeface="Wingdings" panose="05000000000000000000" pitchFamily="2" charset="2"/>
+              </a:rPr>
+              <a:t> -u root –p</a:t>
+            </a:r>
+          </a:p>
+          <a:p>
+            <a:pPr marL="0" indent="0">
+              <a:buNone/>
+            </a:pPr>
+            <a:r>
+              <a:rPr lang="en-US" dirty="0">
+                <a:solidFill>
+                  <a:srgbClr val="00B0F0"/>
+                </a:solidFill>
+              </a:rPr>
+              <a:t>CREATE DATABASE </a:t>
+            </a:r>
+            <a:r>
+              <a:rPr lang="en-US" dirty="0" err="1">
+                <a:solidFill>
+                  <a:srgbClr val="00B0F0"/>
+                </a:solidFill>
+              </a:rPr>
+              <a:t>tel_dir</a:t>
+            </a:r>
+            <a:r>
+              <a:rPr lang="en-US" dirty="0">
+                <a:solidFill>
+                  <a:srgbClr val="00B0F0"/>
+                </a:solidFill>
+              </a:rPr>
+              <a:t>;</a:t>
+            </a:r>
+          </a:p>
+          <a:p>
+            <a:pPr marL="0" indent="0">
+              <a:buNone/>
+            </a:pPr>
+            <a:r>
+              <a:rPr lang="en-US" dirty="0">
+                <a:solidFill>
+                  <a:srgbClr val="00B0F0"/>
+                </a:solidFill>
+              </a:rPr>
+              <a:t> use </a:t>
+            </a:r>
+            <a:r>
+              <a:rPr lang="en-US" dirty="0" err="1">
+                <a:solidFill>
+                  <a:srgbClr val="00B0F0"/>
+                </a:solidFill>
+              </a:rPr>
+              <a:t>tel_dir</a:t>
+            </a:r>
+            <a:r>
+              <a:rPr lang="en-US" dirty="0">
+                <a:solidFill>
+                  <a:srgbClr val="00B0F0"/>
+                </a:solidFill>
+              </a:rPr>
+              <a:t>;</a:t>
+            </a:r>
+          </a:p>
+          <a:p>
+            <a:pPr marL="0" indent="0">
+              <a:buNone/>
+            </a:pPr>
+            <a:r>
+              <a:rPr lang="en-US" dirty="0">
+                <a:solidFill>
+                  <a:srgbClr val="00B0F0"/>
+                </a:solidFill>
+              </a:rPr>
+              <a:t>CREATE TABLE details( id INT NOT NULL AUTO_INCREMENT,</a:t>
+            </a:r>
+          </a:p>
+          <a:p>
+            <a:pPr marL="0" indent="0">
+              <a:buNone/>
+            </a:pPr>
+            <a:r>
+              <a:rPr lang="en-US" dirty="0">
+                <a:solidFill>
+                  <a:srgbClr val="00B0F0"/>
+                </a:solidFill>
+              </a:rPr>
+              <a:t> name VARCHAR(100) NOT NULL,</a:t>
+            </a:r>
+          </a:p>
+          <a:p>
+            <a:pPr marL="0" indent="0">
+              <a:buNone/>
+            </a:pPr>
+            <a:r>
+              <a:rPr lang="en-US" dirty="0">
+                <a:solidFill>
+                  <a:srgbClr val="00B0F0"/>
+                </a:solidFill>
+              </a:rPr>
+              <a:t> country VARCHAR(40) NOT NULL,</a:t>
+            </a:r>
+          </a:p>
+          <a:p>
+            <a:pPr marL="0" indent="0">
+              <a:buNone/>
+            </a:pPr>
+            <a:r>
+              <a:rPr lang="en-US" dirty="0">
+                <a:solidFill>
+                  <a:srgbClr val="00B0F0"/>
+                </a:solidFill>
+              </a:rPr>
+              <a:t> phone INT NOT NULL,</a:t>
+            </a:r>
+          </a:p>
+          <a:p>
+            <a:pPr marL="0" indent="0">
+              <a:buNone/>
+            </a:pPr>
+            <a:r>
+              <a:rPr lang="en-US" dirty="0">
+                <a:solidFill>
+                  <a:srgbClr val="00B0F0"/>
+                </a:solidFill>
+              </a:rPr>
+              <a:t> PRIMARY KEY(id));</a:t>
+            </a:r>
+          </a:p>
+          <a:p>
+            <a:pPr marL="0" indent="0">
+              <a:buNone/>
+            </a:pPr>
+            <a:r>
+              <a:rPr lang="en-US" dirty="0">
+                <a:solidFill>
+                  <a:srgbClr val="00B0F0"/>
+                </a:solidFill>
+              </a:rPr>
+              <a:t>use </a:t>
+            </a:r>
+            <a:r>
+              <a:rPr lang="en-US" dirty="0" err="1">
+                <a:solidFill>
+                  <a:srgbClr val="00B0F0"/>
+                </a:solidFill>
+              </a:rPr>
+              <a:t>tel_dir</a:t>
+            </a:r>
+            <a:r>
+              <a:rPr lang="en-US" dirty="0">
+                <a:solidFill>
+                  <a:srgbClr val="00B0F0"/>
+                </a:solidFill>
+              </a:rPr>
+              <a:t>;</a:t>
+            </a:r>
+          </a:p>
+          <a:p>
+            <a:pPr marL="0" indent="0">
+              <a:buNone/>
+            </a:pPr>
+            <a:r>
+              <a:rPr lang="en-US" dirty="0">
+                <a:solidFill>
+                  <a:srgbClr val="00B0F0"/>
+                </a:solidFill>
+              </a:rPr>
+              <a:t>INSERT INTO details</a:t>
+            </a:r>
+          </a:p>
+          <a:p>
+            <a:pPr marL="0" indent="0">
+              <a:buNone/>
+            </a:pPr>
+            <a:r>
+              <a:rPr lang="en-US" dirty="0">
+                <a:solidFill>
+                  <a:srgbClr val="00B0F0"/>
+                </a:solidFill>
+              </a:rPr>
+              <a:t>(</a:t>
+            </a:r>
+            <a:r>
+              <a:rPr lang="en-US" dirty="0" err="1">
+                <a:solidFill>
+                  <a:srgbClr val="00B0F0"/>
+                </a:solidFill>
+              </a:rPr>
+              <a:t>id,name,country,phone</a:t>
+            </a:r>
+            <a:r>
+              <a:rPr lang="en-US" dirty="0">
+                <a:solidFill>
+                  <a:srgbClr val="00B0F0"/>
+                </a:solidFill>
+              </a:rPr>
+              <a:t>)</a:t>
+            </a:r>
+          </a:p>
+          <a:p>
+            <a:pPr marL="0" indent="0">
+              <a:buNone/>
+            </a:pPr>
+            <a:r>
+              <a:rPr lang="en-US" dirty="0">
+                <a:solidFill>
+                  <a:srgbClr val="00B0F0"/>
+                </a:solidFill>
+              </a:rPr>
+              <a:t>VALUES</a:t>
+            </a:r>
+          </a:p>
+          <a:p>
+            <a:pPr marL="0" indent="0">
+              <a:buNone/>
+            </a:pPr>
+            <a:r>
+              <a:rPr lang="en-US" dirty="0">
+                <a:solidFill>
+                  <a:srgbClr val="00B0F0"/>
+                </a:solidFill>
+              </a:rPr>
+              <a:t>(1,"kiran","india",12345);</a:t>
+            </a:r>
+          </a:p>
+          <a:p>
+            <a:pPr marL="0" indent="0">
+              <a:buNone/>
+            </a:pPr>
+            <a:r>
+              <a:rPr lang="en-US" dirty="0">
+                <a:solidFill>
+                  <a:srgbClr val="00B0F0"/>
+                </a:solidFill>
+              </a:rPr>
+              <a:t>INSERT INTO details</a:t>
+            </a:r>
+          </a:p>
+          <a:p>
+            <a:pPr marL="0" indent="0">
+              <a:buNone/>
+            </a:pPr>
+            <a:r>
+              <a:rPr lang="en-US" dirty="0">
+                <a:solidFill>
+                  <a:srgbClr val="00B0F0"/>
+                </a:solidFill>
+              </a:rPr>
+              <a:t>(</a:t>
+            </a:r>
+            <a:r>
+              <a:rPr lang="en-US" dirty="0" err="1">
+                <a:solidFill>
+                  <a:srgbClr val="00B0F0"/>
+                </a:solidFill>
+              </a:rPr>
+              <a:t>name,country,phone</a:t>
+            </a:r>
+            <a:r>
+              <a:rPr lang="en-US" dirty="0">
+                <a:solidFill>
+                  <a:srgbClr val="00B0F0"/>
+                </a:solidFill>
+              </a:rPr>
+              <a:t>)</a:t>
+            </a:r>
+          </a:p>
+          <a:p>
+            <a:pPr marL="0" indent="0">
+              <a:buNone/>
+            </a:pPr>
+            <a:r>
+              <a:rPr lang="en-US" dirty="0">
+                <a:solidFill>
+                  <a:srgbClr val="00B0F0"/>
+                </a:solidFill>
+              </a:rPr>
+              <a:t>VALUES</a:t>
+            </a:r>
+          </a:p>
+          <a:p>
+            <a:pPr marL="0" indent="0">
+              <a:buNone/>
+            </a:pPr>
+            <a:r>
+              <a:rPr lang="en-US" dirty="0">
+                <a:solidFill>
+                  <a:srgbClr val="00B0F0"/>
+                </a:solidFill>
+              </a:rPr>
+              <a:t>("bart","belgium",34567);</a:t>
+            </a:r>
+          </a:p>
+        </p:txBody>
+      </p:sp>
+    </p:spTree>
+    <p:extLst>
+      <p:ext uri="{BB962C8B-B14F-4D97-AF65-F5344CB8AC3E}">
+        <p14:creationId xmlns:p14="http://schemas.microsoft.com/office/powerpoint/2010/main" val="4058217541"/>
+      </p:ext>
+    </p:extLst>
+  </p:cSld>
+  <p:clrMapOvr>
+    <a:masterClrMapping/>
+  </p:clrMapOvr>
+  <p:timing>
+    <p:tnLst>
+      <p:par>
+        <p:cTn id="1" dur="indefinite" restart="never" nodeType="tmRoot"/>
+      </p:par>
+    </p:tnLst>
+  </p:timing>
+</p:sld>
+</file>
+
+<file path=ppt/slides/slide31.xml><?xml version="1.0" encoding="utf-8"?>
+<p:sld xmlns:a="http://schemas.openxmlformats.org/drawingml/2006/main" xmlns:r="http://schemas.openxmlformats.org/officeDocument/2006/relationships" xmlns:p="http://schemas.openxmlformats.org/presentationml/2006/main">
+  <p:cSld>
+    <p:spTree>
+      <p:nvGrpSpPr>
+        <p:cNvPr id="1" name=""/>
+        <p:cNvGrpSpPr/>
+        <p:nvPr/>
+      </p:nvGrpSpPr>
+      <p:grpSpPr>
+        <a:xfrm>
+          <a:off x="0" y="0"/>
+          <a:ext cx="0" cy="0"/>
+          <a:chOff x="0" y="0"/>
+          <a:chExt cx="0" cy="0"/>
+        </a:xfrm>
+      </p:grpSpPr>
+      <p:sp>
+        <p:nvSpPr>
           <p:cNvPr id="4" name="Oval 3"/>
           <p:cNvSpPr/>
           <p:nvPr/>
@@ -16550,7 +17388,7 @@
 </p:sld>
 </file>
 
-<file path=ppt/slides/slide31.xml><?xml version="1.0" encoding="utf-8"?>
+<file path=ppt/slides/slide32.xml><?xml version="1.0" encoding="utf-8"?>
 <p:sld xmlns:a="http://schemas.openxmlformats.org/drawingml/2006/main" xmlns:r="http://schemas.openxmlformats.org/officeDocument/2006/relationships" xmlns:p="http://schemas.openxmlformats.org/presentationml/2006/main">
   <p:cSld>
     <p:spTree>
